--- a/Lecture06.pptx
+++ b/Lecture06.pptx
@@ -58,6 +58,7 @@
     <p:sldId id="306" r:id="rId52"/>
     <p:sldId id="307" r:id="rId53"/>
     <p:sldId id="308" r:id="rId54"/>
+    <p:sldId id="309" r:id="rId55"/>
   </p:sldIdLst>
   <p:sldSz cx="9144000" cy="6858000" type="screen4x3"/>
   <p:notesSz cx="6858000" cy="9144000"/>
@@ -3285,7 +3286,7 @@
             </a:pPr>
             <a:r>
               <a:rPr/>
-              <a:t>2022-02-16</a:t>
+              <a:t>2022-02-17</a:t>
             </a:r>
           </a:p>
         </p:txBody>
@@ -12013,31 +12014,23 @@
             </a:pPr>
             <a:r>
               <a:rPr/>
-              <a:t>Exploring</a:t>
-            </a:r>
-            <a:r>
-              <a:rPr/>
-              <a:t> </a:t>
-            </a:r>
-            <a:r>
-              <a:rPr/>
-              <a:t>the</a:t>
-            </a:r>
-            <a:r>
-              <a:rPr/>
-              <a:t> </a:t>
-            </a:r>
-            <a:r>
-              <a:rPr/>
-              <a:t>Data</a:t>
-            </a:r>
-            <a:r>
-              <a:rPr/>
-              <a:t> </a:t>
-            </a:r>
-            <a:r>
-              <a:rPr/>
-              <a:t>Frame</a:t>
+              <a:t>Rownames</a:t>
+            </a:r>
+            <a:r>
+              <a:rPr/>
+              <a:t> </a:t>
+            </a:r>
+            <a:r>
+              <a:rPr/>
+              <a:t>and</a:t>
+            </a:r>
+            <a:r>
+              <a:rPr/>
+              <a:t> </a:t>
+            </a:r>
+            <a:r>
+              <a:rPr/>
+              <a:t>Colnames</a:t>
             </a:r>
           </a:p>
         </p:txBody>
@@ -12060,34 +12053,14 @@
             <a:pPr lvl="1"/>
             <a:r>
               <a:rPr/>
-              <a:t>There are a number of functions that work well with data frames</a:t>
+              <a:t>A matrix can also have row names and column names, which can be set the same way as data frames</a:t>
             </a:r>
           </a:p>
           <a:p>
             <a:pPr lvl="1"/>
             <a:r>
               <a:rPr/>
-              <a:t>The </a:t>
-            </a:r>
-            <a:r>
-              <a:rPr sz="1800">
-                <a:latin typeface="Courier"/>
-              </a:rPr>
-              <a:t>nrow()</a:t>
-            </a:r>
-            <a:r>
-              <a:rPr/>
-              <a:t> and </a:t>
-            </a:r>
-            <a:r>
-              <a:rPr sz="1800">
-                <a:latin typeface="Courier"/>
-              </a:rPr>
-              <a:t>ncol()</a:t>
-            </a:r>
-            <a:r>
-              <a:rPr/>
-              <a:t> functions count the number of rows and columns in the object</a:t>
+              <a:t>Matrix row and column names do not have to be unique (potentially very problematic!)</a:t>
             </a:r>
           </a:p>
           <a:p>
@@ -12095,19 +12068,244 @@
               <a:buNone/>
             </a:pPr>
             <a:r>
+              <a:rPr sz="1800">
+                <a:latin typeface="Courier"/>
+              </a:rPr>
+              <a:t>mat &lt;-</a:t>
+            </a:r>
+            <a:r>
+              <a:rPr sz="1800">
+                <a:solidFill>
+                  <a:srgbClr val="4070A0"/>
+                </a:solidFill>
+                <a:latin typeface="Courier"/>
+              </a:rPr>
+              <a:t> </a:t>
+            </a:r>
+            <a:r>
               <a:rPr sz="1800" b="1">
                 <a:solidFill>
                   <a:srgbClr val="007020"/>
                 </a:solidFill>
                 <a:latin typeface="Courier"/>
               </a:rPr>
-              <a:t>nrow</a:t>
-            </a:r>
-            <a:r>
-              <a:rPr sz="1800">
-                <a:latin typeface="Courier"/>
-              </a:rPr>
-              <a:t>(gene_expression)</a:t>
+              <a:t>matrix</a:t>
+            </a:r>
+            <a:r>
+              <a:rPr sz="1800">
+                <a:latin typeface="Courier"/>
+              </a:rPr>
+              <a:t>(</a:t>
+            </a:r>
+            <a:r>
+              <a:rPr sz="1800">
+                <a:solidFill>
+                  <a:srgbClr val="40A070"/>
+                </a:solidFill>
+                <a:latin typeface="Courier"/>
+              </a:rPr>
+              <a:t>1</a:t>
+            </a:r>
+            <a:r>
+              <a:rPr sz="1800">
+                <a:solidFill>
+                  <a:srgbClr val="666666"/>
+                </a:solidFill>
+                <a:latin typeface="Courier"/>
+              </a:rPr>
+              <a:t>:</a:t>
+            </a:r>
+            <a:r>
+              <a:rPr sz="1800">
+                <a:solidFill>
+                  <a:srgbClr val="40A070"/>
+                </a:solidFill>
+                <a:latin typeface="Courier"/>
+              </a:rPr>
+              <a:t>4</a:t>
+            </a:r>
+            <a:r>
+              <a:rPr sz="1800">
+                <a:latin typeface="Courier"/>
+              </a:rPr>
+              <a:t>, </a:t>
+            </a:r>
+            <a:r>
+              <a:rPr sz="1800">
+                <a:solidFill>
+                  <a:srgbClr val="902000"/>
+                </a:solidFill>
+                <a:latin typeface="Courier"/>
+              </a:rPr>
+              <a:t>ncol=</a:t>
+            </a:r>
+            <a:r>
+              <a:rPr sz="1800">
+                <a:solidFill>
+                  <a:srgbClr val="40A070"/>
+                </a:solidFill>
+                <a:latin typeface="Courier"/>
+              </a:rPr>
+              <a:t>2</a:t>
+            </a:r>
+            <a:r>
+              <a:rPr sz="1800">
+                <a:latin typeface="Courier"/>
+              </a:rPr>
+              <a:t>)</a:t>
+            </a:r>
+            <a:br/>
+            <a:r>
+              <a:rPr sz="1800" b="1">
+                <a:solidFill>
+                  <a:srgbClr val="007020"/>
+                </a:solidFill>
+                <a:latin typeface="Courier"/>
+              </a:rPr>
+              <a:t>rownames</a:t>
+            </a:r>
+            <a:r>
+              <a:rPr sz="1800">
+                <a:latin typeface="Courier"/>
+              </a:rPr>
+              <a:t>(mat)=</a:t>
+            </a:r>
+            <a:r>
+              <a:rPr sz="1800" b="1">
+                <a:solidFill>
+                  <a:srgbClr val="007020"/>
+                </a:solidFill>
+                <a:latin typeface="Courier"/>
+              </a:rPr>
+              <a:t>c</a:t>
+            </a:r>
+            <a:r>
+              <a:rPr sz="1800">
+                <a:latin typeface="Courier"/>
+              </a:rPr>
+              <a:t>(</a:t>
+            </a:r>
+            <a:r>
+              <a:rPr sz="1800">
+                <a:solidFill>
+                  <a:srgbClr val="4070A0"/>
+                </a:solidFill>
+                <a:latin typeface="Courier"/>
+              </a:rPr>
+              <a:t>"ROW"</a:t>
+            </a:r>
+            <a:r>
+              <a:rPr sz="1800">
+                <a:latin typeface="Courier"/>
+              </a:rPr>
+              <a:t>,</a:t>
+            </a:r>
+            <a:r>
+              <a:rPr sz="1800">
+                <a:solidFill>
+                  <a:srgbClr val="4070A0"/>
+                </a:solidFill>
+                <a:latin typeface="Courier"/>
+              </a:rPr>
+              <a:t>"ROW"</a:t>
+            </a:r>
+            <a:r>
+              <a:rPr sz="1800">
+                <a:latin typeface="Courier"/>
+              </a:rPr>
+              <a:t>)</a:t>
+            </a:r>
+            <a:br/>
+            <a:r>
+              <a:rPr sz="1800" b="1">
+                <a:solidFill>
+                  <a:srgbClr val="007020"/>
+                </a:solidFill>
+                <a:latin typeface="Courier"/>
+              </a:rPr>
+              <a:t>colnames</a:t>
+            </a:r>
+            <a:r>
+              <a:rPr sz="1800">
+                <a:latin typeface="Courier"/>
+              </a:rPr>
+              <a:t>(mat)=</a:t>
+            </a:r>
+            <a:r>
+              <a:rPr sz="1800" b="1">
+                <a:solidFill>
+                  <a:srgbClr val="007020"/>
+                </a:solidFill>
+                <a:latin typeface="Courier"/>
+              </a:rPr>
+              <a:t>c</a:t>
+            </a:r>
+            <a:r>
+              <a:rPr sz="1800">
+                <a:latin typeface="Courier"/>
+              </a:rPr>
+              <a:t>(</a:t>
+            </a:r>
+            <a:r>
+              <a:rPr sz="1800">
+                <a:solidFill>
+                  <a:srgbClr val="4070A0"/>
+                </a:solidFill>
+                <a:latin typeface="Courier"/>
+              </a:rPr>
+              <a:t>"COL1"</a:t>
+            </a:r>
+            <a:r>
+              <a:rPr sz="1800">
+                <a:latin typeface="Courier"/>
+              </a:rPr>
+              <a:t>,</a:t>
+            </a:r>
+            <a:r>
+              <a:rPr sz="1800">
+                <a:solidFill>
+                  <a:srgbClr val="4070A0"/>
+                </a:solidFill>
+                <a:latin typeface="Courier"/>
+              </a:rPr>
+              <a:t>"COL2"</a:t>
+            </a:r>
+            <a:r>
+              <a:rPr sz="1800">
+                <a:latin typeface="Courier"/>
+              </a:rPr>
+              <a:t>)</a:t>
+            </a:r>
+            <a:br/>
+            <a:r>
+              <a:rPr sz="1800">
+                <a:latin typeface="Courier"/>
+              </a:rPr>
+              <a:t>mat[</a:t>
+            </a:r>
+            <a:r>
+              <a:rPr sz="1800">
+                <a:solidFill>
+                  <a:srgbClr val="4070A0"/>
+                </a:solidFill>
+                <a:latin typeface="Courier"/>
+              </a:rPr>
+              <a:t>"ROW"</a:t>
+            </a:r>
+            <a:r>
+              <a:rPr sz="1800">
+                <a:latin typeface="Courier"/>
+              </a:rPr>
+              <a:t>,] </a:t>
+            </a:r>
+            <a:r>
+              <a:rPr sz="1800" i="1">
+                <a:solidFill>
+                  <a:srgbClr val="60A0B0"/>
+                </a:solidFill>
+                <a:latin typeface="Courier"/>
+              </a:rPr>
+              <a:t>#only first match is returned</a:t>
             </a:r>
           </a:p>
           <a:p>
@@ -12118,38 +12316,8 @@
               <a:rPr sz="1800">
                 <a:latin typeface="Courier"/>
               </a:rPr>
-              <a:t>## [1] 999</a:t>
-            </a:r>
-          </a:p>
-          <a:p>
-            <a:pPr lvl="0" marL="1270000" indent="0">
-              <a:buNone/>
-            </a:pPr>
-            <a:r>
-              <a:rPr sz="1800" b="1">
-                <a:solidFill>
-                  <a:srgbClr val="007020"/>
-                </a:solidFill>
-                <a:latin typeface="Courier"/>
-              </a:rPr>
-              <a:t>ncol</a:t>
-            </a:r>
-            <a:r>
-              <a:rPr sz="1800">
-                <a:latin typeface="Courier"/>
-              </a:rPr>
-              <a:t>(gene_expression)</a:t>
-            </a:r>
-          </a:p>
-          <a:p>
-            <a:pPr lvl="0" marL="1270000" indent="0">
-              <a:buNone/>
-            </a:pPr>
-            <a:r>
-              <a:rPr sz="1800">
-                <a:latin typeface="Courier"/>
-              </a:rPr>
-              <a:t>## [1] 2</a:t>
+              <a:t>## COL1 COL2 
+##    1    3</a:t>
             </a:r>
           </a:p>
         </p:txBody>
@@ -12196,39 +12364,31 @@
             </a:pPr>
             <a:r>
               <a:rPr/>
-              <a:t>Peeking</a:t>
-            </a:r>
-            <a:r>
-              <a:rPr/>
-              <a:t> </a:t>
-            </a:r>
-            <a:r>
-              <a:rPr/>
-              <a:t>with</a:t>
-            </a:r>
-            <a:r>
-              <a:rPr/>
-              <a:t> </a:t>
-            </a:r>
-            <a:r>
-              <a:rPr/>
-              <a:t>head</a:t>
-            </a:r>
-            <a:r>
-              <a:rPr/>
-              <a:t> </a:t>
-            </a:r>
-            <a:r>
-              <a:rPr/>
-              <a:t>and</a:t>
-            </a:r>
-            <a:r>
-              <a:rPr/>
-              <a:t> </a:t>
-            </a:r>
-            <a:r>
-              <a:rPr/>
-              <a:t>tail</a:t>
+              <a:t>Exploring</a:t>
+            </a:r>
+            <a:r>
+              <a:rPr/>
+              <a:t> </a:t>
+            </a:r>
+            <a:r>
+              <a:rPr/>
+              <a:t>the</a:t>
+            </a:r>
+            <a:r>
+              <a:rPr/>
+              <a:t> </a:t>
+            </a:r>
+            <a:r>
+              <a:rPr/>
+              <a:t>Data</a:t>
+            </a:r>
+            <a:r>
+              <a:rPr/>
+              <a:t> </a:t>
+            </a:r>
+            <a:r>
+              <a:rPr/>
+              <a:t>Frame</a:t>
             </a:r>
           </a:p>
         </p:txBody>
@@ -12251,13 +12411,20 @@
             <a:pPr lvl="1"/>
             <a:r>
               <a:rPr/>
+              <a:t>There are a number of functions that work well with data frames</a:t>
+            </a:r>
+          </a:p>
+          <a:p>
+            <a:pPr lvl="1"/>
+            <a:r>
+              <a:rPr/>
               <a:t>The </a:t>
             </a:r>
             <a:r>
               <a:rPr sz="1800">
                 <a:latin typeface="Courier"/>
               </a:rPr>
-              <a:t>head()</a:t>
+              <a:t>nrow()</a:t>
             </a:r>
             <a:r>
               <a:rPr/>
@@ -12267,11 +12434,11 @@
               <a:rPr sz="1800">
                 <a:latin typeface="Courier"/>
               </a:rPr>
-              <a:t>tail()</a:t>
-            </a:r>
-            <a:r>
-              <a:rPr/>
-              <a:t> functions are useful for extracting the first or last few rows in a data frame. These are especially useful for larger data frames.</a:t>
+              <a:t>ncol()</a:t>
+            </a:r>
+            <a:r>
+              <a:rPr/>
+              <a:t> functions count the number of rows and columns in the object</a:t>
             </a:r>
           </a:p>
           <a:p>
@@ -12285,28 +12452,13 @@
                 </a:solidFill>
                 <a:latin typeface="Courier"/>
               </a:rPr>
-              <a:t>head</a:t>
-            </a:r>
-            <a:r>
-              <a:rPr sz="1800">
-                <a:latin typeface="Courier"/>
-              </a:rPr>
-              <a:t>(gene_expression, </a:t>
-            </a:r>
-            <a:r>
-              <a:rPr sz="1800">
-                <a:solidFill>
-                  <a:srgbClr val="40A070"/>
-                </a:solidFill>
-                <a:latin typeface="Courier"/>
-              </a:rPr>
-              <a:t>2</a:t>
-            </a:r>
-            <a:r>
-              <a:rPr sz="1800">
-                <a:latin typeface="Courier"/>
-              </a:rPr>
-              <a:t>)</a:t>
+              <a:t>nrow</a:t>
+            </a:r>
+            <a:r>
+              <a:rPr sz="1800">
+                <a:latin typeface="Courier"/>
+              </a:rPr>
+              <a:t>(gene_expression)</a:t>
             </a:r>
           </a:p>
           <a:p>
@@ -12317,9 +12469,7 @@
               <a:rPr sz="1800">
                 <a:latin typeface="Courier"/>
               </a:rPr>
-              <a:t>##              sample1   sample2
-## GeneID:1   0.4123009  1.330277
-## GeneID:10 -3.0091629 -4.118183</a:t>
+              <a:t>## [1] 999</a:t>
             </a:r>
           </a:p>
           <a:p>
@@ -12333,28 +12483,13 @@
                 </a:solidFill>
                 <a:latin typeface="Courier"/>
               </a:rPr>
-              <a:t>tail</a:t>
-            </a:r>
-            <a:r>
-              <a:rPr sz="1800">
-                <a:latin typeface="Courier"/>
-              </a:rPr>
-              <a:t>(gene_expression, </a:t>
-            </a:r>
-            <a:r>
-              <a:rPr sz="1800">
-                <a:solidFill>
-                  <a:srgbClr val="40A070"/>
-                </a:solidFill>
-                <a:latin typeface="Courier"/>
-              </a:rPr>
-              <a:t>2</a:t>
-            </a:r>
-            <a:r>
-              <a:rPr sz="1800">
-                <a:latin typeface="Courier"/>
-              </a:rPr>
-              <a:t>)</a:t>
+              <a:t>ncol</a:t>
+            </a:r>
+            <a:r>
+              <a:rPr sz="1800">
+                <a:latin typeface="Courier"/>
+              </a:rPr>
+              <a:t>(gene_expression)</a:t>
             </a:r>
           </a:p>
           <a:p>
@@ -12365,44 +12500,7 @@
               <a:rPr sz="1800">
                 <a:latin typeface="Courier"/>
               </a:rPr>
-              <a:t>##                    sample1   sample2
-## GeneID:100499227 -2.357086 -2.533221
-## GeneID:100499405 -2.116078 -1.615683</a:t>
-            </a:r>
-          </a:p>
-          <a:p>
-            <a:pPr lvl="0" marL="1270000" indent="0">
-              <a:buNone/>
-            </a:pPr>
-            <a:r>
-              <a:rPr sz="1800">
-                <a:latin typeface="Courier"/>
-              </a:rPr>
-              <a:t>some_expression =</a:t>
-            </a:r>
-            <a:r>
-              <a:rPr sz="1800">
-                <a:solidFill>
-                  <a:srgbClr val="4070A0"/>
-                </a:solidFill>
-                <a:latin typeface="Courier"/>
-              </a:rPr>
-              <a:t> </a:t>
-            </a:r>
-            <a:r>
-              <a:rPr sz="1800" b="1">
-                <a:solidFill>
-                  <a:srgbClr val="007020"/>
-                </a:solidFill>
-                <a:latin typeface="Courier"/>
-              </a:rPr>
-              <a:t>head</a:t>
-            </a:r>
-            <a:r>
-              <a:rPr sz="1800">
-                <a:latin typeface="Courier"/>
-              </a:rPr>
-              <a:t>(gene_expression)</a:t>
+              <a:t>## [1] 2</a:t>
             </a:r>
           </a:p>
         </p:txBody>
@@ -12449,39 +12547,39 @@
             </a:pPr>
             <a:r>
               <a:rPr/>
-              <a:t>Another</a:t>
-            </a:r>
-            <a:r>
-              <a:rPr/>
-              <a:t> </a:t>
-            </a:r>
-            <a:r>
-              <a:rPr/>
-              <a:t>data</a:t>
-            </a:r>
-            <a:r>
-              <a:rPr/>
-              <a:t> </a:t>
-            </a:r>
-            <a:r>
-              <a:rPr/>
-              <a:t>frame</a:t>
-            </a:r>
-            <a:r>
-              <a:rPr/>
-              <a:t> </a:t>
-            </a:r>
-            <a:r>
-              <a:rPr/>
-              <a:t>to</a:t>
-            </a:r>
-            <a:r>
-              <a:rPr/>
-              <a:t> </a:t>
-            </a:r>
-            <a:r>
-              <a:rPr/>
-              <a:t>explore</a:t>
+              <a:t>Peeking</a:t>
+            </a:r>
+            <a:r>
+              <a:rPr/>
+              <a:t> </a:t>
+            </a:r>
+            <a:r>
+              <a:rPr/>
+              <a:t>with</a:t>
+            </a:r>
+            <a:r>
+              <a:rPr/>
+              <a:t> </a:t>
+            </a:r>
+            <a:r>
+              <a:rPr/>
+              <a:t>head</a:t>
+            </a:r>
+            <a:r>
+              <a:rPr/>
+              <a:t> </a:t>
+            </a:r>
+            <a:r>
+              <a:rPr/>
+              <a:t>and</a:t>
+            </a:r>
+            <a:r>
+              <a:rPr/>
+              <a:t> </a:t>
+            </a:r>
+            <a:r>
+              <a:rPr/>
+              <a:t>tail</a:t>
             </a:r>
           </a:p>
         </p:txBody>
@@ -12501,14 +12599,137 @@
           <a:bodyPr/>
           <a:lstStyle/>
           <a:p>
+            <a:pPr lvl="1"/>
+            <a:r>
+              <a:rPr/>
+              <a:t>The </a:t>
+            </a:r>
+            <a:r>
+              <a:rPr sz="1800">
+                <a:latin typeface="Courier"/>
+              </a:rPr>
+              <a:t>head()</a:t>
+            </a:r>
+            <a:r>
+              <a:rPr/>
+              <a:t> and </a:t>
+            </a:r>
+            <a:r>
+              <a:rPr sz="1800">
+                <a:latin typeface="Courier"/>
+              </a:rPr>
+              <a:t>tail()</a:t>
+            </a:r>
+            <a:r>
+              <a:rPr/>
+              <a:t> functions are useful for extracting the first or last few rows in a data frame. These are especially useful for larger data frames.</a:t>
+            </a:r>
+          </a:p>
+          <a:p>
             <a:pPr lvl="0" marL="1270000" indent="0">
               <a:buNone/>
             </a:pPr>
             <a:r>
-              <a:rPr sz="1800">
-                <a:latin typeface="Courier"/>
-              </a:rPr>
-              <a:t>geno_file =</a:t>
+              <a:rPr sz="1800" b="1">
+                <a:solidFill>
+                  <a:srgbClr val="007020"/>
+                </a:solidFill>
+                <a:latin typeface="Courier"/>
+              </a:rPr>
+              <a:t>head</a:t>
+            </a:r>
+            <a:r>
+              <a:rPr sz="1800">
+                <a:latin typeface="Courier"/>
+              </a:rPr>
+              <a:t>(gene_expression, </a:t>
+            </a:r>
+            <a:r>
+              <a:rPr sz="1800">
+                <a:solidFill>
+                  <a:srgbClr val="40A070"/>
+                </a:solidFill>
+                <a:latin typeface="Courier"/>
+              </a:rPr>
+              <a:t>2</a:t>
+            </a:r>
+            <a:r>
+              <a:rPr sz="1800">
+                <a:latin typeface="Courier"/>
+              </a:rPr>
+              <a:t>)</a:t>
+            </a:r>
+          </a:p>
+          <a:p>
+            <a:pPr lvl="0" marL="1270000" indent="0">
+              <a:buNone/>
+            </a:pPr>
+            <a:r>
+              <a:rPr sz="1800">
+                <a:latin typeface="Courier"/>
+              </a:rPr>
+              <a:t>##              sample1   sample2
+## GeneID:1   0.4123009  1.330277
+## GeneID:10 -3.0091629 -4.118183</a:t>
+            </a:r>
+          </a:p>
+          <a:p>
+            <a:pPr lvl="0" marL="1270000" indent="0">
+              <a:buNone/>
+            </a:pPr>
+            <a:r>
+              <a:rPr sz="1800" b="1">
+                <a:solidFill>
+                  <a:srgbClr val="007020"/>
+                </a:solidFill>
+                <a:latin typeface="Courier"/>
+              </a:rPr>
+              <a:t>tail</a:t>
+            </a:r>
+            <a:r>
+              <a:rPr sz="1800">
+                <a:latin typeface="Courier"/>
+              </a:rPr>
+              <a:t>(gene_expression, </a:t>
+            </a:r>
+            <a:r>
+              <a:rPr sz="1800">
+                <a:solidFill>
+                  <a:srgbClr val="40A070"/>
+                </a:solidFill>
+                <a:latin typeface="Courier"/>
+              </a:rPr>
+              <a:t>2</a:t>
+            </a:r>
+            <a:r>
+              <a:rPr sz="1800">
+                <a:latin typeface="Courier"/>
+              </a:rPr>
+              <a:t>)</a:t>
+            </a:r>
+          </a:p>
+          <a:p>
+            <a:pPr lvl="0" marL="1270000" indent="0">
+              <a:buNone/>
+            </a:pPr>
+            <a:r>
+              <a:rPr sz="1800">
+                <a:latin typeface="Courier"/>
+              </a:rPr>
+              <a:t>##                    sample1   sample2
+## GeneID:100499227 -2.357086 -2.533221
+## GeneID:100499405 -2.116078 -1.615683</a:t>
+            </a:r>
+          </a:p>
+          <a:p>
+            <a:pPr lvl="0" marL="1270000" indent="0">
+              <a:buNone/>
+            </a:pPr>
+            <a:r>
+              <a:rPr sz="1800">
+                <a:latin typeface="Courier"/>
+              </a:rPr>
+              <a:t>some_expression =</a:t>
             </a:r>
             <a:r>
               <a:rPr sz="1800">
@@ -12517,22 +12738,6 @@
                 </a:solidFill>
                 <a:latin typeface="Courier"/>
               </a:rPr>
-              <a:t> "data/Morin_genotypes.txt"</a:t>
-            </a:r>
-            <a:br/>
-            <a:r>
-              <a:rPr sz="1800">
-                <a:latin typeface="Courier"/>
-              </a:rPr>
-              <a:t>genotype_df =</a:t>
-            </a:r>
-            <a:r>
-              <a:rPr sz="1800">
-                <a:solidFill>
-                  <a:srgbClr val="4070A0"/>
-                </a:solidFill>
-                <a:latin typeface="Courier"/>
-              </a:rPr>
               <a:t> </a:t>
             </a:r>
             <a:r>
@@ -12542,182 +12747,13 @@
                 </a:solidFill>
                 <a:latin typeface="Courier"/>
               </a:rPr>
-              <a:t>read.csv</a:t>
-            </a:r>
-            <a:r>
-              <a:rPr sz="1800">
-                <a:latin typeface="Courier"/>
-              </a:rPr>
-              <a:t>(geno_file,</a:t>
-            </a:r>
-            <a:r>
-              <a:rPr sz="1800">
-                <a:solidFill>
-                  <a:srgbClr val="902000"/>
-                </a:solidFill>
-                <a:latin typeface="Courier"/>
-              </a:rPr>
-              <a:t>sep=</a:t>
-            </a:r>
-            <a:r>
-              <a:rPr sz="1800">
-                <a:solidFill>
-                  <a:srgbClr val="4070A0"/>
-                </a:solidFill>
-                <a:latin typeface="Courier"/>
-              </a:rPr>
-              <a:t>"\t"</a:t>
-            </a:r>
-            <a:r>
-              <a:rPr sz="1800">
-                <a:latin typeface="Courier"/>
-              </a:rPr>
-              <a:t>)</a:t>
-            </a:r>
-            <a:br/>
-            <a:r>
-              <a:rPr sz="1800" i="1">
-                <a:solidFill>
-                  <a:srgbClr val="60A0B0"/>
-                </a:solidFill>
-                <a:latin typeface="Courier"/>
-              </a:rPr>
-              <a:t># read without specifying a column for row names</a:t>
-            </a:r>
-            <a:br/>
-            <a:r>
-              <a:rPr sz="1800" i="1">
-                <a:solidFill>
-                  <a:srgbClr val="60A0B0"/>
-                </a:solidFill>
-                <a:latin typeface="Courier"/>
-              </a:rPr>
-              <a:t># default rows will be consecutive numbers represented as strings</a:t>
-            </a:r>
-            <a:br/>
-            <a:br/>
-            <a:r>
-              <a:rPr sz="1800" b="1">
-                <a:solidFill>
-                  <a:srgbClr val="007020"/>
-                </a:solidFill>
-                <a:latin typeface="Courier"/>
-              </a:rPr>
-              <a:t>rownames</a:t>
-            </a:r>
-            <a:r>
-              <a:rPr sz="1800">
-                <a:latin typeface="Courier"/>
-              </a:rPr>
-              <a:t>(genotype_df)[</a:t>
-            </a:r>
-            <a:r>
-              <a:rPr sz="1800" b="1">
-                <a:solidFill>
-                  <a:srgbClr val="007020"/>
-                </a:solidFill>
-                <a:latin typeface="Courier"/>
-              </a:rPr>
-              <a:t>c</a:t>
-            </a:r>
-            <a:r>
-              <a:rPr sz="1800">
-                <a:latin typeface="Courier"/>
-              </a:rPr>
-              <a:t>(</a:t>
-            </a:r>
-            <a:r>
-              <a:rPr sz="1800">
-                <a:solidFill>
-                  <a:srgbClr val="40A070"/>
-                </a:solidFill>
-                <a:latin typeface="Courier"/>
-              </a:rPr>
-              <a:t>1</a:t>
-            </a:r>
-            <a:r>
-              <a:rPr sz="1800">
-                <a:solidFill>
-                  <a:srgbClr val="666666"/>
-                </a:solidFill>
-                <a:latin typeface="Courier"/>
-              </a:rPr>
-              <a:t>:</a:t>
-            </a:r>
-            <a:r>
-              <a:rPr sz="1800">
-                <a:solidFill>
-                  <a:srgbClr val="40A070"/>
-                </a:solidFill>
-                <a:latin typeface="Courier"/>
-              </a:rPr>
-              <a:t>10</a:t>
-            </a:r>
-            <a:r>
-              <a:rPr sz="1800">
-                <a:latin typeface="Courier"/>
-              </a:rPr>
-              <a:t>)]</a:t>
-            </a:r>
-          </a:p>
-          <a:p>
-            <a:pPr lvl="0" marL="1270000" indent="0">
-              <a:buNone/>
-            </a:pPr>
-            <a:r>
-              <a:rPr sz="1800">
-                <a:latin typeface="Courier"/>
-              </a:rPr>
-              <a:t>##  [1] "1"  "2"  "3"  "4"  "5"  "6"  "7"  "8"  "9"  "10"</a:t>
-            </a:r>
-          </a:p>
-          <a:p>
-            <a:pPr lvl="0" marL="1270000" indent="0">
-              <a:buNone/>
-            </a:pPr>
-            <a:r>
-              <a:rPr sz="1800" b="1">
-                <a:solidFill>
-                  <a:srgbClr val="007020"/>
-                </a:solidFill>
-                <a:latin typeface="Courier"/>
-              </a:rPr>
               <a:t>head</a:t>
             </a:r>
             <a:r>
               <a:rPr sz="1800">
                 <a:latin typeface="Courier"/>
               </a:rPr>
-              <a:t>(genotype_df,</a:t>
-            </a:r>
-            <a:r>
-              <a:rPr sz="1800">
-                <a:solidFill>
-                  <a:srgbClr val="40A070"/>
-                </a:solidFill>
-                <a:latin typeface="Courier"/>
-              </a:rPr>
-              <a:t>3</a:t>
-            </a:r>
-            <a:r>
-              <a:rPr sz="1800">
-                <a:latin typeface="Courier"/>
-              </a:rPr>
-              <a:t>)</a:t>
-            </a:r>
-          </a:p>
-          <a:p>
-            <a:pPr lvl="0" marL="1270000" indent="0">
-              <a:buNone/>
-            </a:pPr>
-            <a:r>
-              <a:rPr sz="1800">
-                <a:latin typeface="Courier"/>
-              </a:rPr>
-              <a:t>##        rsid chromosome position genotype
-## 1 rs4477212          1    82154       --
-## 2 rs3094315          1   752566       AA
-## 3 rs3131972          1   752721       GG</a:t>
+              <a:t>(gene_expression)</a:t>
             </a:r>
           </a:p>
         </p:txBody>
@@ -12764,15 +12800,39 @@
             </a:pPr>
             <a:r>
               <a:rPr/>
-              <a:t>Extracting</a:t>
-            </a:r>
-            <a:r>
-              <a:rPr/>
-              <a:t> </a:t>
-            </a:r>
-            <a:r>
-              <a:rPr/>
-              <a:t>rows/columns</a:t>
+              <a:t>Another</a:t>
+            </a:r>
+            <a:r>
+              <a:rPr/>
+              <a:t> </a:t>
+            </a:r>
+            <a:r>
+              <a:rPr/>
+              <a:t>data</a:t>
+            </a:r>
+            <a:r>
+              <a:rPr/>
+              <a:t> </a:t>
+            </a:r>
+            <a:r>
+              <a:rPr/>
+              <a:t>frame</a:t>
+            </a:r>
+            <a:r>
+              <a:rPr/>
+              <a:t> </a:t>
+            </a:r>
+            <a:r>
+              <a:rPr/>
+              <a:t>to</a:t>
+            </a:r>
+            <a:r>
+              <a:rPr/>
+              <a:t> </a:t>
+            </a:r>
+            <a:r>
+              <a:rPr/>
+              <a:t>explore</a:t>
             </a:r>
           </a:p>
         </p:txBody>
@@ -12792,54 +12852,223 @@
           <a:bodyPr/>
           <a:lstStyle/>
           <a:p>
-            <a:pPr lvl="1"/>
-            <a:r>
-              <a:rPr/>
-              <a:t>Rows and columns are indexed numerically</a:t>
-            </a:r>
-          </a:p>
-          <a:p>
-            <a:pPr lvl="2"/>
-            <a:r>
-              <a:rPr/>
-              <a:t>The two dimensions are always row,column</a:t>
-            </a:r>
-          </a:p>
-          <a:p>
-            <a:pPr lvl="1"/>
-            <a:r>
-              <a:rPr/>
-              <a:t>The most basic operation you can do is extracting/referencing a column</a:t>
-            </a:r>
-          </a:p>
-          <a:p>
-            <a:pPr lvl="1"/>
-            <a:r>
-              <a:rPr/>
-              <a:t>Option 1: use the </a:t>
-            </a:r>
-            <a:r>
-              <a:rPr sz="1800">
-                <a:latin typeface="Courier"/>
-              </a:rPr>
-              <a:t>$</a:t>
-            </a:r>
-            <a:r>
-              <a:rPr/>
-              <a:t> operator and column name</a:t>
-            </a:r>
-          </a:p>
-          <a:p>
-            <a:pPr lvl="1"/>
-            <a:r>
-              <a:rPr/>
-              <a:t>Option 2/3: use the column name/index: </a:t>
-            </a:r>
-            <a:r>
-              <a:rPr sz="1800">
-                <a:latin typeface="Courier"/>
-              </a:rPr>
-              <a:t>object_name[,column_index]</a:t>
+            <a:pPr lvl="0" marL="1270000" indent="0">
+              <a:buNone/>
+            </a:pPr>
+            <a:r>
+              <a:rPr sz="1800">
+                <a:latin typeface="Courier"/>
+              </a:rPr>
+              <a:t>geno_file =</a:t>
+            </a:r>
+            <a:r>
+              <a:rPr sz="1800">
+                <a:solidFill>
+                  <a:srgbClr val="4070A0"/>
+                </a:solidFill>
+                <a:latin typeface="Courier"/>
+              </a:rPr>
+              <a:t> "data/Morin_genotypes.txt"</a:t>
+            </a:r>
+            <a:br/>
+            <a:r>
+              <a:rPr sz="1800">
+                <a:latin typeface="Courier"/>
+              </a:rPr>
+              <a:t>genotype_df =</a:t>
+            </a:r>
+            <a:r>
+              <a:rPr sz="1800">
+                <a:solidFill>
+                  <a:srgbClr val="4070A0"/>
+                </a:solidFill>
+                <a:latin typeface="Courier"/>
+              </a:rPr>
+              <a:t> </a:t>
+            </a:r>
+            <a:r>
+              <a:rPr sz="1800" b="1">
+                <a:solidFill>
+                  <a:srgbClr val="007020"/>
+                </a:solidFill>
+                <a:latin typeface="Courier"/>
+              </a:rPr>
+              <a:t>read.csv</a:t>
+            </a:r>
+            <a:r>
+              <a:rPr sz="1800">
+                <a:latin typeface="Courier"/>
+              </a:rPr>
+              <a:t>(geno_file,</a:t>
+            </a:r>
+            <a:r>
+              <a:rPr sz="1800">
+                <a:solidFill>
+                  <a:srgbClr val="902000"/>
+                </a:solidFill>
+                <a:latin typeface="Courier"/>
+              </a:rPr>
+              <a:t>sep=</a:t>
+            </a:r>
+            <a:r>
+              <a:rPr sz="1800">
+                <a:solidFill>
+                  <a:srgbClr val="4070A0"/>
+                </a:solidFill>
+                <a:latin typeface="Courier"/>
+              </a:rPr>
+              <a:t>"\t"</a:t>
+            </a:r>
+            <a:r>
+              <a:rPr sz="1800">
+                <a:latin typeface="Courier"/>
+              </a:rPr>
+              <a:t>)</a:t>
+            </a:r>
+            <a:br/>
+            <a:r>
+              <a:rPr sz="1800" i="1">
+                <a:solidFill>
+                  <a:srgbClr val="60A0B0"/>
+                </a:solidFill>
+                <a:latin typeface="Courier"/>
+              </a:rPr>
+              <a:t># read without specifying a column for row names</a:t>
+            </a:r>
+            <a:br/>
+            <a:r>
+              <a:rPr sz="1800" i="1">
+                <a:solidFill>
+                  <a:srgbClr val="60A0B0"/>
+                </a:solidFill>
+                <a:latin typeface="Courier"/>
+              </a:rPr>
+              <a:t># default rows will be consecutive numbers represented as strings</a:t>
+            </a:r>
+            <a:br/>
+            <a:br/>
+            <a:r>
+              <a:rPr sz="1800" b="1">
+                <a:solidFill>
+                  <a:srgbClr val="007020"/>
+                </a:solidFill>
+                <a:latin typeface="Courier"/>
+              </a:rPr>
+              <a:t>rownames</a:t>
+            </a:r>
+            <a:r>
+              <a:rPr sz="1800">
+                <a:latin typeface="Courier"/>
+              </a:rPr>
+              <a:t>(genotype_df)[</a:t>
+            </a:r>
+            <a:r>
+              <a:rPr sz="1800" b="1">
+                <a:solidFill>
+                  <a:srgbClr val="007020"/>
+                </a:solidFill>
+                <a:latin typeface="Courier"/>
+              </a:rPr>
+              <a:t>c</a:t>
+            </a:r>
+            <a:r>
+              <a:rPr sz="1800">
+                <a:latin typeface="Courier"/>
+              </a:rPr>
+              <a:t>(</a:t>
+            </a:r>
+            <a:r>
+              <a:rPr sz="1800">
+                <a:solidFill>
+                  <a:srgbClr val="40A070"/>
+                </a:solidFill>
+                <a:latin typeface="Courier"/>
+              </a:rPr>
+              <a:t>1</a:t>
+            </a:r>
+            <a:r>
+              <a:rPr sz="1800">
+                <a:solidFill>
+                  <a:srgbClr val="666666"/>
+                </a:solidFill>
+                <a:latin typeface="Courier"/>
+              </a:rPr>
+              <a:t>:</a:t>
+            </a:r>
+            <a:r>
+              <a:rPr sz="1800">
+                <a:solidFill>
+                  <a:srgbClr val="40A070"/>
+                </a:solidFill>
+                <a:latin typeface="Courier"/>
+              </a:rPr>
+              <a:t>10</a:t>
+            </a:r>
+            <a:r>
+              <a:rPr sz="1800">
+                <a:latin typeface="Courier"/>
+              </a:rPr>
+              <a:t>)]</a:t>
+            </a:r>
+          </a:p>
+          <a:p>
+            <a:pPr lvl="0" marL="1270000" indent="0">
+              <a:buNone/>
+            </a:pPr>
+            <a:r>
+              <a:rPr sz="1800">
+                <a:latin typeface="Courier"/>
+              </a:rPr>
+              <a:t>##  [1] "1"  "2"  "3"  "4"  "5"  "6"  "7"  "8"  "9"  "10"</a:t>
+            </a:r>
+          </a:p>
+          <a:p>
+            <a:pPr lvl="0" marL="1270000" indent="0">
+              <a:buNone/>
+            </a:pPr>
+            <a:r>
+              <a:rPr sz="1800" b="1">
+                <a:solidFill>
+                  <a:srgbClr val="007020"/>
+                </a:solidFill>
+                <a:latin typeface="Courier"/>
+              </a:rPr>
+              <a:t>head</a:t>
+            </a:r>
+            <a:r>
+              <a:rPr sz="1800">
+                <a:latin typeface="Courier"/>
+              </a:rPr>
+              <a:t>(genotype_df,</a:t>
+            </a:r>
+            <a:r>
+              <a:rPr sz="1800">
+                <a:solidFill>
+                  <a:srgbClr val="40A070"/>
+                </a:solidFill>
+                <a:latin typeface="Courier"/>
+              </a:rPr>
+              <a:t>3</a:t>
+            </a:r>
+            <a:r>
+              <a:rPr sz="1800">
+                <a:latin typeface="Courier"/>
+              </a:rPr>
+              <a:t>)</a:t>
+            </a:r>
+          </a:p>
+          <a:p>
+            <a:pPr lvl="0" marL="1270000" indent="0">
+              <a:buNone/>
+            </a:pPr>
+            <a:r>
+              <a:rPr sz="1800">
+                <a:latin typeface="Courier"/>
+              </a:rPr>
+              <a:t>##        rsid chromosome position genotype
+## 1 rs4477212          1    82154       --
+## 2 rs3094315          1   752566       AA
+## 3 rs3131972          1   752721       GG</a:t>
             </a:r>
           </a:p>
         </p:txBody>
@@ -12914,150 +13143,54 @@
           <a:bodyPr/>
           <a:lstStyle/>
           <a:p>
-            <a:pPr lvl="0" marL="1270000" indent="0">
-              <a:buNone/>
-            </a:pPr>
-            <a:r>
-              <a:rPr sz="1800">
-                <a:latin typeface="Courier"/>
-              </a:rPr>
-              <a:t>some_expression</a:t>
-            </a:r>
-            <a:r>
-              <a:rPr sz="1800">
-                <a:solidFill>
-                  <a:srgbClr val="666666"/>
-                </a:solidFill>
+            <a:pPr lvl="1"/>
+            <a:r>
+              <a:rPr/>
+              <a:t>Rows and columns are indexed numerically</a:t>
+            </a:r>
+          </a:p>
+          <a:p>
+            <a:pPr lvl="2"/>
+            <a:r>
+              <a:rPr/>
+              <a:t>The two dimensions are always row,column</a:t>
+            </a:r>
+          </a:p>
+          <a:p>
+            <a:pPr lvl="1"/>
+            <a:r>
+              <a:rPr/>
+              <a:t>The most basic operation you can do is extracting/referencing a column</a:t>
+            </a:r>
+          </a:p>
+          <a:p>
+            <a:pPr lvl="1"/>
+            <a:r>
+              <a:rPr/>
+              <a:t>Option 1: use the </a:t>
+            </a:r>
+            <a:r>
+              <a:rPr sz="1800">
                 <a:latin typeface="Courier"/>
               </a:rPr>
               <a:t>$</a:t>
             </a:r>
             <a:r>
-              <a:rPr sz="1800">
-                <a:latin typeface="Courier"/>
-              </a:rPr>
-              <a:t>sample1 </a:t>
-            </a:r>
-          </a:p>
-          <a:p>
-            <a:pPr lvl="0" marL="1270000" indent="0">
-              <a:buNone/>
-            </a:pPr>
-            <a:r>
-              <a:rPr sz="1800">
-                <a:latin typeface="Courier"/>
-              </a:rPr>
-              <a:t>## [1]  0.4123009 -3.0091629  7.7458439  2.3978013  4.1621927 -5.8165178</a:t>
-            </a:r>
-          </a:p>
-          <a:p>
-            <a:pPr lvl="0" marL="1270000" indent="0">
-              <a:buNone/>
-            </a:pPr>
-            <a:r>
-              <a:rPr sz="1800" i="1">
-                <a:solidFill>
-                  <a:srgbClr val="60A0B0"/>
-                </a:solidFill>
-                <a:latin typeface="Courier"/>
-              </a:rPr>
-              <a:t>#extract column using $ operator and column name</a:t>
-            </a:r>
-            <a:br/>
-            <a:br/>
-            <a:r>
-              <a:rPr sz="1800">
-                <a:latin typeface="Courier"/>
-              </a:rPr>
-              <a:t>some_expression[,</a:t>
-            </a:r>
-            <a:r>
-              <a:rPr sz="1800">
-                <a:solidFill>
-                  <a:srgbClr val="40A070"/>
-                </a:solidFill>
-                <a:latin typeface="Courier"/>
-              </a:rPr>
-              <a:t>1</a:t>
-            </a:r>
-            <a:r>
-              <a:rPr sz="1800">
-                <a:latin typeface="Courier"/>
-              </a:rPr>
-              <a:t>] </a:t>
-            </a:r>
-          </a:p>
-          <a:p>
-            <a:pPr lvl="0" marL="1270000" indent="0">
-              <a:buNone/>
-            </a:pPr>
-            <a:r>
-              <a:rPr sz="1800">
-                <a:latin typeface="Courier"/>
-              </a:rPr>
-              <a:t>## [1]  0.4123009 -3.0091629  7.7458439  2.3978013  4.1621927 -5.8165178</a:t>
-            </a:r>
-          </a:p>
-          <a:p>
-            <a:pPr lvl="0" marL="1270000" indent="0">
-              <a:buNone/>
-            </a:pPr>
-            <a:r>
-              <a:rPr sz="1800" i="1">
-                <a:solidFill>
-                  <a:srgbClr val="60A0B0"/>
-                </a:solidFill>
-                <a:latin typeface="Courier"/>
-              </a:rPr>
-              <a:t>#extract the first column</a:t>
-            </a:r>
-            <a:br/>
-            <a:br/>
-            <a:r>
-              <a:rPr sz="1800">
-                <a:latin typeface="Courier"/>
-              </a:rPr>
-              <a:t>some_expression[,</a:t>
-            </a:r>
-            <a:r>
-              <a:rPr sz="1800">
-                <a:solidFill>
-                  <a:srgbClr val="4070A0"/>
-                </a:solidFill>
-                <a:latin typeface="Courier"/>
-              </a:rPr>
-              <a:t>"sample1"</a:t>
-            </a:r>
-            <a:r>
-              <a:rPr sz="1800">
-                <a:latin typeface="Courier"/>
-              </a:rPr>
-              <a:t>] </a:t>
-            </a:r>
-          </a:p>
-          <a:p>
-            <a:pPr lvl="0" marL="1270000" indent="0">
-              <a:buNone/>
-            </a:pPr>
-            <a:r>
-              <a:rPr sz="1800">
-                <a:latin typeface="Courier"/>
-              </a:rPr>
-              <a:t>## [1]  0.4123009 -3.0091629  7.7458439  2.3978013  4.1621927 -5.8165178</a:t>
-            </a:r>
-          </a:p>
-          <a:p>
-            <a:pPr lvl="0" marL="1270000" indent="0">
-              <a:buNone/>
-            </a:pPr>
-            <a:r>
-              <a:rPr sz="1800" i="1">
-                <a:solidFill>
-                  <a:srgbClr val="60A0B0"/>
-                </a:solidFill>
-                <a:latin typeface="Courier"/>
-              </a:rPr>
-              <a:t>#extract the column named sample1</a:t>
+              <a:rPr/>
+              <a:t> operator and column name</a:t>
+            </a:r>
+          </a:p>
+          <a:p>
+            <a:pPr lvl="1"/>
+            <a:r>
+              <a:rPr/>
+              <a:t>Option 2/3: use the column name/index: </a:t>
+            </a:r>
+            <a:r>
+              <a:rPr sz="1800">
+                <a:latin typeface="Courier"/>
+              </a:rPr>
+              <a:t>object_name[,column_index]</a:t>
             </a:r>
           </a:p>
         </p:txBody>
@@ -13104,23 +13237,15 @@
             </a:pPr>
             <a:r>
               <a:rPr/>
-              <a:t>Rows</a:t>
-            </a:r>
-            <a:r>
-              <a:rPr/>
-              <a:t> </a:t>
-            </a:r>
-            <a:r>
-              <a:rPr/>
-              <a:t>vs</a:t>
-            </a:r>
-            <a:r>
-              <a:rPr/>
-              <a:t> </a:t>
-            </a:r>
-            <a:r>
-              <a:rPr/>
-              <a:t>Columns</a:t>
+              <a:t>Extracting</a:t>
+            </a:r>
+            <a:r>
+              <a:rPr/>
+              <a:t> </a:t>
+            </a:r>
+            <a:r>
+              <a:rPr/>
+              <a:t>rows/columns</a:t>
             </a:r>
           </a:p>
         </p:txBody>
@@ -13140,27 +13265,6 @@
           <a:bodyPr/>
           <a:lstStyle/>
           <a:p>
-            <a:pPr lvl="1"/>
-            <a:r>
-              <a:rPr/>
-              <a:t>An extracted column from a data frame becomes a vector</a:t>
-            </a:r>
-          </a:p>
-          <a:p>
-            <a:pPr lvl="2"/>
-            <a:r>
-              <a:rPr/>
-              <a:t>Sadly, the same is NOT true of extracted rows</a:t>
-            </a:r>
-          </a:p>
-          <a:p>
-            <a:pPr lvl="2"/>
-            <a:r>
-              <a:rPr/>
-              <a:t>A single extracted row remains a data frame and must be converted</a:t>
-            </a:r>
-          </a:p>
-          <a:p>
             <a:pPr lvl="0" marL="1270000" indent="0">
               <a:buNone/>
             </a:pPr>
@@ -13168,7 +13272,55 @@
               <a:rPr sz="1800">
                 <a:latin typeface="Courier"/>
               </a:rPr>
-              <a:t>some_expression[</a:t>
+              <a:t>some_expression</a:t>
+            </a:r>
+            <a:r>
+              <a:rPr sz="1800">
+                <a:solidFill>
+                  <a:srgbClr val="666666"/>
+                </a:solidFill>
+                <a:latin typeface="Courier"/>
+              </a:rPr>
+              <a:t>$</a:t>
+            </a:r>
+            <a:r>
+              <a:rPr sz="1800">
+                <a:latin typeface="Courier"/>
+              </a:rPr>
+              <a:t>sample1 </a:t>
+            </a:r>
+          </a:p>
+          <a:p>
+            <a:pPr lvl="0" marL="1270000" indent="0">
+              <a:buNone/>
+            </a:pPr>
+            <a:r>
+              <a:rPr sz="1800">
+                <a:latin typeface="Courier"/>
+              </a:rPr>
+              <a:t>## [1]  0.4123009 -3.0091629  7.7458439  2.3978013  4.1621927 -5.8165178</a:t>
+            </a:r>
+          </a:p>
+          <a:p>
+            <a:pPr lvl="0" marL="1270000" indent="0">
+              <a:buNone/>
+            </a:pPr>
+            <a:r>
+              <a:rPr sz="1800" i="1">
+                <a:solidFill>
+                  <a:srgbClr val="60A0B0"/>
+                </a:solidFill>
+                <a:latin typeface="Courier"/>
+              </a:rPr>
+              <a:t>#extract column using $ operator and column name</a:t>
+            </a:r>
+            <a:br/>
+            <a:br/>
+            <a:r>
+              <a:rPr sz="1800">
+                <a:latin typeface="Courier"/>
+              </a:rPr>
+              <a:t>some_expression[,</a:t>
             </a:r>
             <a:r>
               <a:rPr sz="1800">
@@ -13183,8 +13335,24 @@
               <a:rPr sz="1800">
                 <a:latin typeface="Courier"/>
               </a:rPr>
-              <a:t>,] </a:t>
-            </a:r>
+              <a:t>] </a:t>
+            </a:r>
+          </a:p>
+          <a:p>
+            <a:pPr lvl="0" marL="1270000" indent="0">
+              <a:buNone/>
+            </a:pPr>
+            <a:r>
+              <a:rPr sz="1800">
+                <a:latin typeface="Courier"/>
+              </a:rPr>
+              <a:t>## [1]  0.4123009 -3.0091629  7.7458439  2.3978013  4.1621927 -5.8165178</a:t>
+            </a:r>
+          </a:p>
+          <a:p>
+            <a:pPr lvl="0" marL="1270000" indent="0">
+              <a:buNone/>
+            </a:pPr>
             <a:r>
               <a:rPr sz="1800" i="1">
                 <a:solidFill>
@@ -13192,7 +13360,30 @@
                 </a:solidFill>
                 <a:latin typeface="Courier"/>
               </a:rPr>
-              <a:t>#extract the first row</a:t>
+              <a:t>#extract the first column</a:t>
+            </a:r>
+            <a:br/>
+            <a:br/>
+            <a:r>
+              <a:rPr sz="1800">
+                <a:latin typeface="Courier"/>
+              </a:rPr>
+              <a:t>some_expression[,</a:t>
+            </a:r>
+            <a:r>
+              <a:rPr sz="1800">
+                <a:solidFill>
+                  <a:srgbClr val="4070A0"/>
+                </a:solidFill>
+                <a:latin typeface="Courier"/>
+              </a:rPr>
+              <a:t>"sample1"</a:t>
+            </a:r>
+            <a:r>
+              <a:rPr sz="1800">
+                <a:latin typeface="Courier"/>
+              </a:rPr>
+              <a:t>] </a:t>
             </a:r>
           </a:p>
           <a:p>
@@ -13203,8 +13394,7 @@
               <a:rPr sz="1800">
                 <a:latin typeface="Courier"/>
               </a:rPr>
-              <a:t>##            sample1  sample2
-## GeneID:1 0.4123009 1.330277</a:t>
+              <a:t>## [1]  0.4123009 -3.0091629  7.7458439  2.3978013  4.1621927 -5.8165178</a:t>
             </a:r>
           </a:p>
           <a:p>
@@ -13212,122 +13402,13 @@
               <a:buNone/>
             </a:pPr>
             <a:r>
-              <a:rPr sz="1800" b="1">
-                <a:solidFill>
-                  <a:srgbClr val="007020"/>
-                </a:solidFill>
-                <a:latin typeface="Courier"/>
-              </a:rPr>
-              <a:t>class</a:t>
-            </a:r>
-            <a:r>
-              <a:rPr sz="1800">
-                <a:latin typeface="Courier"/>
-              </a:rPr>
-              <a:t>(some_expression[</a:t>
-            </a:r>
-            <a:r>
-              <a:rPr sz="1800">
-                <a:solidFill>
-                  <a:srgbClr val="40A070"/>
-                </a:solidFill>
-                <a:latin typeface="Courier"/>
-              </a:rPr>
-              <a:t>1</a:t>
-            </a:r>
-            <a:r>
-              <a:rPr sz="1800">
-                <a:latin typeface="Courier"/>
-              </a:rPr>
-              <a:t>,])</a:t>
-            </a:r>
-          </a:p>
-          <a:p>
-            <a:pPr lvl="0" marL="1270000" indent="0">
-              <a:buNone/>
-            </a:pPr>
-            <a:r>
-              <a:rPr sz="1800">
-                <a:latin typeface="Courier"/>
-              </a:rPr>
-              <a:t>## [1] "data.frame"</a:t>
-            </a:r>
-          </a:p>
-          <a:p>
-            <a:pPr lvl="0" marL="1270000" indent="0">
-              <a:buNone/>
-            </a:pPr>
-            <a:r>
-              <a:rPr sz="1800">
-                <a:latin typeface="Courier"/>
-              </a:rPr>
-              <a:t>row_vec =</a:t>
-            </a:r>
-            <a:r>
-              <a:rPr sz="1800">
-                <a:solidFill>
-                  <a:srgbClr val="4070A0"/>
-                </a:solidFill>
-                <a:latin typeface="Courier"/>
-              </a:rPr>
-              <a:t> </a:t>
-            </a:r>
-            <a:r>
-              <a:rPr sz="1800" b="1">
-                <a:solidFill>
-                  <a:srgbClr val="007020"/>
-                </a:solidFill>
-                <a:latin typeface="Courier"/>
-              </a:rPr>
-              <a:t>unlist</a:t>
-            </a:r>
-            <a:r>
-              <a:rPr sz="1800">
-                <a:latin typeface="Courier"/>
-              </a:rPr>
-              <a:t>(some_expression[</a:t>
-            </a:r>
-            <a:r>
-              <a:rPr sz="1800">
-                <a:solidFill>
-                  <a:srgbClr val="40A070"/>
-                </a:solidFill>
-                <a:latin typeface="Courier"/>
-              </a:rPr>
-              <a:t>1</a:t>
-            </a:r>
-            <a:r>
-              <a:rPr sz="1800">
-                <a:latin typeface="Courier"/>
-              </a:rPr>
-              <a:t>,])</a:t>
-            </a:r>
-            <a:br/>
-            <a:r>
-              <a:rPr sz="1800" b="1">
-                <a:solidFill>
-                  <a:srgbClr val="007020"/>
-                </a:solidFill>
-                <a:latin typeface="Courier"/>
-              </a:rPr>
-              <a:t>class</a:t>
-            </a:r>
-            <a:r>
-              <a:rPr sz="1800">
-                <a:latin typeface="Courier"/>
-              </a:rPr>
-              <a:t>(row_vec)</a:t>
-            </a:r>
-          </a:p>
-          <a:p>
-            <a:pPr lvl="0" marL="1270000" indent="0">
-              <a:buNone/>
-            </a:pPr>
-            <a:r>
-              <a:rPr sz="1800">
-                <a:latin typeface="Courier"/>
-              </a:rPr>
-              <a:t>## [1] "numeric"</a:t>
+              <a:rPr sz="1800" i="1">
+                <a:solidFill>
+                  <a:srgbClr val="60A0B0"/>
+                </a:solidFill>
+                <a:latin typeface="Courier"/>
+              </a:rPr>
+              <a:t>#extract the column named sample1</a:t>
             </a:r>
           </a:p>
         </p:txBody>
@@ -13374,23 +13455,23 @@
             </a:pPr>
             <a:r>
               <a:rPr/>
-              <a:t>Summarizing</a:t>
-            </a:r>
-            <a:r>
-              <a:rPr/>
-              <a:t> </a:t>
-            </a:r>
-            <a:r>
-              <a:rPr/>
-              <a:t>the</a:t>
-            </a:r>
-            <a:r>
-              <a:rPr/>
-              <a:t> </a:t>
-            </a:r>
-            <a:r>
-              <a:rPr/>
-              <a:t>contents</a:t>
+              <a:t>Rows</a:t>
+            </a:r>
+            <a:r>
+              <a:rPr/>
+              <a:t> </a:t>
+            </a:r>
+            <a:r>
+              <a:rPr/>
+              <a:t>vs</a:t>
+            </a:r>
+            <a:r>
+              <a:rPr/>
+              <a:t> </a:t>
+            </a:r>
+            <a:r>
+              <a:rPr/>
+              <a:t>Columns</a:t>
             </a:r>
           </a:p>
         </p:txBody>
@@ -13410,22 +13491,24 @@
           <a:bodyPr/>
           <a:lstStyle/>
           <a:p>
-            <a:pPr lvl="0" marL="0" indent="0">
-              <a:buNone/>
-            </a:pPr>
-            <a:r>
-              <a:rPr/>
-              <a:t>Another useful function is called </a:t>
-            </a:r>
-            <a:r>
-              <a:rPr sz="1800">
-                <a:latin typeface="Courier"/>
-              </a:rPr>
-              <a:t>summary()</a:t>
-            </a:r>
-            <a:r>
-              <a:rPr/>
-              <a:t> which will display statistics for numeric columns and tabulate values in text columns.</a:t>
+            <a:pPr lvl="1"/>
+            <a:r>
+              <a:rPr/>
+              <a:t>An extracted column from a data frame becomes a vector</a:t>
+            </a:r>
+          </a:p>
+          <a:p>
+            <a:pPr lvl="2"/>
+            <a:r>
+              <a:rPr/>
+              <a:t>Sadly, the same is NOT true of extracted rows</a:t>
+            </a:r>
+          </a:p>
+          <a:p>
+            <a:pPr lvl="2"/>
+            <a:r>
+              <a:rPr/>
+              <a:t>A single extracted row remains a data frame and must be converted</a:t>
             </a:r>
           </a:p>
           <a:p>
@@ -13433,19 +13516,81 @@
               <a:buNone/>
             </a:pPr>
             <a:r>
+              <a:rPr sz="1800">
+                <a:latin typeface="Courier"/>
+              </a:rPr>
+              <a:t>some_expression[</a:t>
+            </a:r>
+            <a:r>
+              <a:rPr sz="1800">
+                <a:solidFill>
+                  <a:srgbClr val="40A070"/>
+                </a:solidFill>
+                <a:latin typeface="Courier"/>
+              </a:rPr>
+              <a:t>1</a:t>
+            </a:r>
+            <a:r>
+              <a:rPr sz="1800">
+                <a:latin typeface="Courier"/>
+              </a:rPr>
+              <a:t>,] </a:t>
+            </a:r>
+            <a:r>
+              <a:rPr sz="1800" i="1">
+                <a:solidFill>
+                  <a:srgbClr val="60A0B0"/>
+                </a:solidFill>
+                <a:latin typeface="Courier"/>
+              </a:rPr>
+              <a:t>#extract the first row</a:t>
+            </a:r>
+          </a:p>
+          <a:p>
+            <a:pPr lvl="0" marL="1270000" indent="0">
+              <a:buNone/>
+            </a:pPr>
+            <a:r>
+              <a:rPr sz="1800">
+                <a:latin typeface="Courier"/>
+              </a:rPr>
+              <a:t>##            sample1  sample2
+## GeneID:1 0.4123009 1.330277</a:t>
+            </a:r>
+          </a:p>
+          <a:p>
+            <a:pPr lvl="0" marL="1270000" indent="0">
+              <a:buNone/>
+            </a:pPr>
+            <a:r>
               <a:rPr sz="1800" b="1">
                 <a:solidFill>
                   <a:srgbClr val="007020"/>
                 </a:solidFill>
                 <a:latin typeface="Courier"/>
               </a:rPr>
-              <a:t>summary</a:t>
-            </a:r>
-            <a:r>
-              <a:rPr sz="1800">
-                <a:latin typeface="Courier"/>
-              </a:rPr>
-              <a:t>(gene_expression)</a:t>
+              <a:t>class</a:t>
+            </a:r>
+            <a:r>
+              <a:rPr sz="1800">
+                <a:latin typeface="Courier"/>
+              </a:rPr>
+              <a:t>(some_expression[</a:t>
+            </a:r>
+            <a:r>
+              <a:rPr sz="1800">
+                <a:solidFill>
+                  <a:srgbClr val="40A070"/>
+                </a:solidFill>
+                <a:latin typeface="Courier"/>
+              </a:rPr>
+              <a:t>1</a:t>
+            </a:r>
+            <a:r>
+              <a:rPr sz="1800">
+                <a:latin typeface="Courier"/>
+              </a:rPr>
+              <a:t>,])</a:t>
             </a:r>
           </a:p>
           <a:p>
@@ -13456,13 +13601,84 @@
               <a:rPr sz="1800">
                 <a:latin typeface="Courier"/>
               </a:rPr>
-              <a:t>##     sample1          sample2      
-##  Min.   :-5.817   Min.   :-5.703  
-##  1st Qu.:-5.817   1st Qu.:-5.703  
-##  Median :-5.817   Median :-5.703  
-##  Mean   :-3.959   Mean   :-3.848  
-##  3rd Qu.:-3.009   3rd Qu.:-2.896  
-##  Max.   :12.595   Max.   : 8.160</a:t>
+              <a:t>## [1] "data.frame"</a:t>
+            </a:r>
+          </a:p>
+          <a:p>
+            <a:pPr lvl="0" marL="1270000" indent="0">
+              <a:buNone/>
+            </a:pPr>
+            <a:r>
+              <a:rPr sz="1800">
+                <a:latin typeface="Courier"/>
+              </a:rPr>
+              <a:t>row_vec =</a:t>
+            </a:r>
+            <a:r>
+              <a:rPr sz="1800">
+                <a:solidFill>
+                  <a:srgbClr val="4070A0"/>
+                </a:solidFill>
+                <a:latin typeface="Courier"/>
+              </a:rPr>
+              <a:t> </a:t>
+            </a:r>
+            <a:r>
+              <a:rPr sz="1800" b="1">
+                <a:solidFill>
+                  <a:srgbClr val="007020"/>
+                </a:solidFill>
+                <a:latin typeface="Courier"/>
+              </a:rPr>
+              <a:t>unlist</a:t>
+            </a:r>
+            <a:r>
+              <a:rPr sz="1800">
+                <a:latin typeface="Courier"/>
+              </a:rPr>
+              <a:t>(some_expression[</a:t>
+            </a:r>
+            <a:r>
+              <a:rPr sz="1800">
+                <a:solidFill>
+                  <a:srgbClr val="40A070"/>
+                </a:solidFill>
+                <a:latin typeface="Courier"/>
+              </a:rPr>
+              <a:t>1</a:t>
+            </a:r>
+            <a:r>
+              <a:rPr sz="1800">
+                <a:latin typeface="Courier"/>
+              </a:rPr>
+              <a:t>,])</a:t>
+            </a:r>
+            <a:br/>
+            <a:r>
+              <a:rPr sz="1800" b="1">
+                <a:solidFill>
+                  <a:srgbClr val="007020"/>
+                </a:solidFill>
+                <a:latin typeface="Courier"/>
+              </a:rPr>
+              <a:t>class</a:t>
+            </a:r>
+            <a:r>
+              <a:rPr sz="1800">
+                <a:latin typeface="Courier"/>
+              </a:rPr>
+              <a:t>(row_vec)</a:t>
+            </a:r>
+          </a:p>
+          <a:p>
+            <a:pPr lvl="0" marL="1270000" indent="0">
+              <a:buNone/>
+            </a:pPr>
+            <a:r>
+              <a:rPr sz="1800">
+                <a:latin typeface="Courier"/>
+              </a:rPr>
+              <a:t>## [1] "numeric"</a:t>
             </a:r>
           </a:p>
         </p:txBody>
@@ -13509,23 +13725,23 @@
             </a:pPr>
             <a:r>
               <a:rPr/>
-              <a:t>Regex</a:t>
-            </a:r>
-            <a:r>
-              <a:rPr/>
-              <a:t> </a:t>
-            </a:r>
-            <a:r>
-              <a:rPr/>
-              <a:t>in</a:t>
-            </a:r>
-            <a:r>
-              <a:rPr/>
-              <a:t> </a:t>
-            </a:r>
-            <a:r>
-              <a:rPr/>
-              <a:t>R</a:t>
+              <a:t>Summarizing</a:t>
+            </a:r>
+            <a:r>
+              <a:rPr/>
+              <a:t> </a:t>
+            </a:r>
+            <a:r>
+              <a:rPr/>
+              <a:t>the</a:t>
+            </a:r>
+            <a:r>
+              <a:rPr/>
+              <a:t> </a:t>
+            </a:r>
+            <a:r>
+              <a:rPr/>
+              <a:t>contents</a:t>
             </a:r>
           </a:p>
         </p:txBody>
@@ -13545,45 +13761,59 @@
           <a:bodyPr/>
           <a:lstStyle/>
           <a:p>
-            <a:pPr lvl="1"/>
-            <a:r>
-              <a:rPr/>
-              <a:t>R was designed for doing mathematical and statistical analyses</a:t>
-            </a:r>
-          </a:p>
-          <a:p>
-            <a:pPr lvl="1"/>
-            <a:r>
-              <a:rPr/>
-              <a:t>Working with text/character/string type data is much easier in Python and clunkier in R</a:t>
-            </a:r>
-          </a:p>
-          <a:p>
-            <a:pPr lvl="1"/>
-            <a:r>
-              <a:rPr/>
-              <a:t>Three common use cases for string operations:</a:t>
-            </a:r>
-          </a:p>
-          <a:p>
-            <a:pPr lvl="2"/>
-            <a:r>
-              <a:rPr/>
-              <a:t>string replacement using pattern or literal matching</a:t>
-            </a:r>
-          </a:p>
-          <a:p>
-            <a:pPr lvl="2"/>
-            <a:r>
-              <a:rPr/>
-              <a:t>string splitting using pattern or literal matching</a:t>
-            </a:r>
-          </a:p>
-          <a:p>
-            <a:pPr lvl="2"/>
-            <a:r>
-              <a:rPr/>
-              <a:t>searching for the existence of a pattern</a:t>
+            <a:pPr lvl="0" marL="0" indent="0">
+              <a:buNone/>
+            </a:pPr>
+            <a:r>
+              <a:rPr/>
+              <a:t>Another useful function is called </a:t>
+            </a:r>
+            <a:r>
+              <a:rPr sz="1800">
+                <a:latin typeface="Courier"/>
+              </a:rPr>
+              <a:t>summary()</a:t>
+            </a:r>
+            <a:r>
+              <a:rPr/>
+              <a:t> which will display statistics for numeric columns and tabulate values in text columns.</a:t>
+            </a:r>
+          </a:p>
+          <a:p>
+            <a:pPr lvl="0" marL="1270000" indent="0">
+              <a:buNone/>
+            </a:pPr>
+            <a:r>
+              <a:rPr sz="1800" b="1">
+                <a:solidFill>
+                  <a:srgbClr val="007020"/>
+                </a:solidFill>
+                <a:latin typeface="Courier"/>
+              </a:rPr>
+              <a:t>summary</a:t>
+            </a:r>
+            <a:r>
+              <a:rPr sz="1800">
+                <a:latin typeface="Courier"/>
+              </a:rPr>
+              <a:t>(gene_expression)</a:t>
+            </a:r>
+          </a:p>
+          <a:p>
+            <a:pPr lvl="0" marL="1270000" indent="0">
+              <a:buNone/>
+            </a:pPr>
+            <a:r>
+              <a:rPr sz="1800">
+                <a:latin typeface="Courier"/>
+              </a:rPr>
+              <a:t>##     sample1          sample2      
+##  Min.   :-5.817   Min.   :-5.703  
+##  1st Qu.:-5.817   1st Qu.:-5.703  
+##  Median :-5.817   Median :-5.703  
+##  Mean   :-3.959   Mean   :-3.848  
+##  3rd Qu.:-3.009   3rd Qu.:-2.896  
+##  Max.   :12.595   Max.   : 8.160</a:t>
             </a:r>
           </a:p>
         </p:txBody>
@@ -13630,6 +13860,127 @@
             </a:pPr>
             <a:r>
               <a:rPr/>
+              <a:t>Regex</a:t>
+            </a:r>
+            <a:r>
+              <a:rPr/>
+              <a:t> </a:t>
+            </a:r>
+            <a:r>
+              <a:rPr/>
+              <a:t>in</a:t>
+            </a:r>
+            <a:r>
+              <a:rPr/>
+              <a:t> </a:t>
+            </a:r>
+            <a:r>
+              <a:rPr/>
+              <a:t>R</a:t>
+            </a:r>
+          </a:p>
+        </p:txBody>
+      </p:sp>
+      <p:sp>
+        <p:nvSpPr>
+          <p:cNvPr id="3" name="Content Placeholder 2"/>
+          <p:cNvSpPr>
+            <a:spLocks noGrp="1"/>
+          </p:cNvSpPr>
+          <p:nvPr>
+            <p:ph idx="1"/>
+          </p:nvPr>
+        </p:nvSpPr>
+        <p:spPr/>
+        <p:txBody>
+          <a:bodyPr/>
+          <a:lstStyle/>
+          <a:p>
+            <a:pPr lvl="1"/>
+            <a:r>
+              <a:rPr/>
+              <a:t>R was designed for doing mathematical and statistical analyses</a:t>
+            </a:r>
+          </a:p>
+          <a:p>
+            <a:pPr lvl="1"/>
+            <a:r>
+              <a:rPr/>
+              <a:t>Working with text/character/string type data is much easier in Python and clunkier in R</a:t>
+            </a:r>
+          </a:p>
+          <a:p>
+            <a:pPr lvl="1"/>
+            <a:r>
+              <a:rPr/>
+              <a:t>Three common use cases for string operations:</a:t>
+            </a:r>
+          </a:p>
+          <a:p>
+            <a:pPr lvl="2"/>
+            <a:r>
+              <a:rPr/>
+              <a:t>string replacement using pattern or literal matching</a:t>
+            </a:r>
+          </a:p>
+          <a:p>
+            <a:pPr lvl="2"/>
+            <a:r>
+              <a:rPr/>
+              <a:t>string splitting using pattern or literal matching</a:t>
+            </a:r>
+          </a:p>
+          <a:p>
+            <a:pPr lvl="2"/>
+            <a:r>
+              <a:rPr/>
+              <a:t>searching for the existence of a pattern</a:t>
+            </a:r>
+          </a:p>
+        </p:txBody>
+      </p:sp>
+    </p:spTree>
+  </p:cSld>
+</p:sld>
+</file>
+
+<file path=ppt/slides/slide49.xml><?xml version="1.0" encoding="utf-8"?>
+<p:sld xmlns:a="http://schemas.openxmlformats.org/drawingml/2006/main" xmlns:r="http://schemas.openxmlformats.org/officeDocument/2006/relationships" xmlns:p="http://schemas.openxmlformats.org/presentationml/2006/main">
+  <p:cSld>
+    <p:spTree>
+      <p:nvGrpSpPr>
+        <p:cNvPr id="1" name=""/>
+        <p:cNvGrpSpPr/>
+        <p:nvPr/>
+      </p:nvGrpSpPr>
+      <p:grpSpPr>
+        <a:xfrm>
+          <a:off x="0" y="0"/>
+          <a:ext cx="0" cy="0"/>
+          <a:chOff x="0" y="0"/>
+          <a:chExt cx="0" cy="0"/>
+        </a:xfrm>
+      </p:grpSpPr>
+      <p:sp>
+        <p:nvSpPr>
+          <p:cNvPr id="2" name="Title 1"/>
+          <p:cNvSpPr>
+            <a:spLocks noGrp="1"/>
+          </p:cNvSpPr>
+          <p:nvPr>
+            <p:ph type="title"/>
+          </p:nvPr>
+        </p:nvSpPr>
+        <p:spPr/>
+        <p:txBody>
+          <a:bodyPr/>
+          <a:lstStyle/>
+          <a:p>
+            <a:pPr lvl="0" marL="0" indent="0">
+              <a:buNone/>
+            </a:pPr>
+            <a:r>
+              <a:rPr/>
               <a:t>Flavours</a:t>
             </a:r>
             <a:r>
@@ -14069,305 +14420,6 @@
           </a:graphicData>
         </a:graphic>
       </p:graphicFrame>
-    </p:spTree>
-  </p:cSld>
-</p:sld>
-</file>
-
-<file path=ppt/slides/slide49.xml><?xml version="1.0" encoding="utf-8"?>
-<p:sld xmlns:a="http://schemas.openxmlformats.org/drawingml/2006/main" xmlns:r="http://schemas.openxmlformats.org/officeDocument/2006/relationships" xmlns:p="http://schemas.openxmlformats.org/presentationml/2006/main">
-  <p:cSld>
-    <p:spTree>
-      <p:nvGrpSpPr>
-        <p:cNvPr id="1" name=""/>
-        <p:cNvGrpSpPr/>
-        <p:nvPr/>
-      </p:nvGrpSpPr>
-      <p:grpSpPr>
-        <a:xfrm>
-          <a:off x="0" y="0"/>
-          <a:ext cx="0" cy="0"/>
-          <a:chOff x="0" y="0"/>
-          <a:chExt cx="0" cy="0"/>
-        </a:xfrm>
-      </p:grpSpPr>
-      <p:sp>
-        <p:nvSpPr>
-          <p:cNvPr id="2" name="Title 1"/>
-          <p:cNvSpPr>
-            <a:spLocks noGrp="1"/>
-          </p:cNvSpPr>
-          <p:nvPr>
-            <p:ph type="title"/>
-          </p:nvPr>
-        </p:nvSpPr>
-        <p:spPr/>
-        <p:txBody>
-          <a:bodyPr/>
-          <a:lstStyle/>
-          <a:p>
-            <a:pPr lvl="0" marL="0" indent="0">
-              <a:buNone/>
-            </a:pPr>
-            <a:r>
-              <a:rPr/>
-              <a:t>Gsub</a:t>
-            </a:r>
-            <a:r>
-              <a:rPr/>
-              <a:t> </a:t>
-            </a:r>
-            <a:r>
-              <a:rPr/>
-              <a:t>example</a:t>
-            </a:r>
-          </a:p>
-        </p:txBody>
-      </p:sp>
-      <p:sp>
-        <p:nvSpPr>
-          <p:cNvPr id="3" name="Content Placeholder 2"/>
-          <p:cNvSpPr>
-            <a:spLocks noGrp="1"/>
-          </p:cNvSpPr>
-          <p:nvPr>
-            <p:ph idx="1"/>
-          </p:nvPr>
-        </p:nvSpPr>
-        <p:spPr/>
-        <p:txBody>
-          <a:bodyPr/>
-          <a:lstStyle/>
-          <a:p>
-            <a:pPr lvl="1"/>
-            <a:r>
-              <a:rPr/>
-              <a:t>What if we wanted to drop the redundant “GeneID:” part of our row names?</a:t>
-            </a:r>
-          </a:p>
-          <a:p>
-            <a:pPr lvl="0" marL="1270000" indent="0">
-              <a:buNone/>
-            </a:pPr>
-            <a:r>
-              <a:rPr sz="1800" b="1">
-                <a:solidFill>
-                  <a:srgbClr val="007020"/>
-                </a:solidFill>
-                <a:latin typeface="Courier"/>
-              </a:rPr>
-              <a:t>head</a:t>
-            </a:r>
-            <a:r>
-              <a:rPr sz="1800">
-                <a:latin typeface="Courier"/>
-              </a:rPr>
-              <a:t>(some_expression,</a:t>
-            </a:r>
-            <a:r>
-              <a:rPr sz="1800">
-                <a:solidFill>
-                  <a:srgbClr val="40A070"/>
-                </a:solidFill>
-                <a:latin typeface="Courier"/>
-              </a:rPr>
-              <a:t>3</a:t>
-            </a:r>
-            <a:r>
-              <a:rPr sz="1800">
-                <a:latin typeface="Courier"/>
-              </a:rPr>
-              <a:t>)</a:t>
-            </a:r>
-          </a:p>
-          <a:p>
-            <a:pPr lvl="0" marL="1270000" indent="0">
-              <a:buNone/>
-            </a:pPr>
-            <a:r>
-              <a:rPr sz="1800">
-                <a:latin typeface="Courier"/>
-              </a:rPr>
-              <a:t>##               sample1   sample2
-## GeneID:1    0.4123009  1.330277
-## GeneID:10  -3.0091629 -4.118183
-## GeneID:100  7.7458439  7.208059</a:t>
-            </a:r>
-          </a:p>
-          <a:p>
-            <a:pPr lvl="0" marL="1270000" indent="0">
-              <a:buNone/>
-            </a:pPr>
-            <a:r>
-              <a:rPr sz="1800">
-                <a:latin typeface="Courier"/>
-              </a:rPr>
-              <a:t>original_rownames =</a:t>
-            </a:r>
-            <a:r>
-              <a:rPr sz="1800">
-                <a:solidFill>
-                  <a:srgbClr val="4070A0"/>
-                </a:solidFill>
-                <a:latin typeface="Courier"/>
-              </a:rPr>
-              <a:t> </a:t>
-            </a:r>
-            <a:r>
-              <a:rPr sz="1800" b="1">
-                <a:solidFill>
-                  <a:srgbClr val="007020"/>
-                </a:solidFill>
-                <a:latin typeface="Courier"/>
-              </a:rPr>
-              <a:t>rownames</a:t>
-            </a:r>
-            <a:r>
-              <a:rPr sz="1800">
-                <a:latin typeface="Courier"/>
-              </a:rPr>
-              <a:t>(some_expression)</a:t>
-            </a:r>
-            <a:br/>
-            <a:r>
-              <a:rPr sz="1800">
-                <a:latin typeface="Courier"/>
-              </a:rPr>
-              <a:t>new_rownames =</a:t>
-            </a:r>
-            <a:r>
-              <a:rPr sz="1800">
-                <a:solidFill>
-                  <a:srgbClr val="4070A0"/>
-                </a:solidFill>
-                <a:latin typeface="Courier"/>
-              </a:rPr>
-              <a:t> </a:t>
-            </a:r>
-            <a:r>
-              <a:rPr sz="1800" b="1">
-                <a:solidFill>
-                  <a:srgbClr val="007020"/>
-                </a:solidFill>
-                <a:latin typeface="Courier"/>
-              </a:rPr>
-              <a:t>gsub</a:t>
-            </a:r>
-            <a:r>
-              <a:rPr sz="1800">
-                <a:latin typeface="Courier"/>
-              </a:rPr>
-              <a:t>(</a:t>
-            </a:r>
-            <a:r>
-              <a:rPr sz="1800">
-                <a:solidFill>
-                  <a:srgbClr val="4070A0"/>
-                </a:solidFill>
-                <a:latin typeface="Courier"/>
-              </a:rPr>
-              <a:t>"GeneID:"</a:t>
-            </a:r>
-            <a:r>
-              <a:rPr sz="1800">
-                <a:latin typeface="Courier"/>
-              </a:rPr>
-              <a:t>,</a:t>
-            </a:r>
-            <a:r>
-              <a:rPr sz="1800">
-                <a:solidFill>
-                  <a:srgbClr val="4070A0"/>
-                </a:solidFill>
-                <a:latin typeface="Courier"/>
-              </a:rPr>
-              <a:t>""</a:t>
-            </a:r>
-            <a:r>
-              <a:rPr sz="1800">
-                <a:latin typeface="Courier"/>
-              </a:rPr>
-              <a:t>,original_rownames)</a:t>
-            </a:r>
-            <a:br/>
-            <a:r>
-              <a:rPr sz="1800" b="1">
-                <a:solidFill>
-                  <a:srgbClr val="007020"/>
-                </a:solidFill>
-                <a:latin typeface="Courier"/>
-              </a:rPr>
-              <a:t>rownames</a:t>
-            </a:r>
-            <a:r>
-              <a:rPr sz="1800">
-                <a:latin typeface="Courier"/>
-              </a:rPr>
-              <a:t>(some_expression) =</a:t>
-            </a:r>
-            <a:r>
-              <a:rPr sz="1800">
-                <a:solidFill>
-                  <a:srgbClr val="4070A0"/>
-                </a:solidFill>
-                <a:latin typeface="Courier"/>
-              </a:rPr>
-              <a:t> </a:t>
-            </a:r>
-            <a:r>
-              <a:rPr sz="1800">
-                <a:latin typeface="Courier"/>
-              </a:rPr>
-              <a:t>new_rownames</a:t>
-            </a:r>
-            <a:br/>
-            <a:r>
-              <a:rPr sz="1800" b="1">
-                <a:solidFill>
-                  <a:srgbClr val="007020"/>
-                </a:solidFill>
-                <a:latin typeface="Courier"/>
-              </a:rPr>
-              <a:t>head</a:t>
-            </a:r>
-            <a:r>
-              <a:rPr sz="1800">
-                <a:latin typeface="Courier"/>
-              </a:rPr>
-              <a:t>(some_expression,</a:t>
-            </a:r>
-            <a:r>
-              <a:rPr sz="1800">
-                <a:solidFill>
-                  <a:srgbClr val="40A070"/>
-                </a:solidFill>
-                <a:latin typeface="Courier"/>
-              </a:rPr>
-              <a:t>3</a:t>
-            </a:r>
-            <a:r>
-              <a:rPr sz="1800">
-                <a:latin typeface="Courier"/>
-              </a:rPr>
-              <a:t>)</a:t>
-            </a:r>
-          </a:p>
-          <a:p>
-            <a:pPr lvl="0" marL="1270000" indent="0">
-              <a:buNone/>
-            </a:pPr>
-            <a:r>
-              <a:rPr sz="1800">
-                <a:latin typeface="Courier"/>
-              </a:rPr>
-              <a:t>##        sample1   sample2
-## 1    0.4123009  1.330277
-## 10  -3.0091629 -4.118183
-## 100  7.7458439  7.208059</a:t>
-            </a:r>
-          </a:p>
-        </p:txBody>
-      </p:sp>
     </p:spTree>
   </p:cSld>
 </p:sld>
@@ -14540,7 +14592,7 @@
             </a:pPr>
             <a:r>
               <a:rPr/>
-              <a:t>Grep</a:t>
+              <a:t>Gsub</a:t>
             </a:r>
             <a:r>
               <a:rPr/>
@@ -14571,24 +14623,7 @@
             <a:pPr lvl="1"/>
             <a:r>
               <a:rPr/>
-              <a:t>What if we wanted to find all rows that had a genotype that was homozygous A (i.e. AA)?</a:t>
-            </a:r>
-          </a:p>
-          <a:p>
-            <a:pPr lvl="1"/>
-            <a:r>
-              <a:rPr/>
-              <a:t>The </a:t>
-            </a:r>
-            <a:r>
-              <a:rPr sz="1800">
-                <a:latin typeface="Courier"/>
-              </a:rPr>
-              <a:t>table</a:t>
-            </a:r>
-            <a:r>
-              <a:rPr/>
-              <a:t> function tabulates the unique values in the resulting vector</a:t>
+              <a:t>What if we wanted to drop the redundant “GeneID:” part of our row names?</a:t>
             </a:r>
           </a:p>
           <a:p>
@@ -14602,7 +14637,102 @@
                 </a:solidFill>
                 <a:latin typeface="Courier"/>
               </a:rPr>
-              <a:t>table</a:t>
+              <a:t>head</a:t>
+            </a:r>
+            <a:r>
+              <a:rPr sz="1800">
+                <a:latin typeface="Courier"/>
+              </a:rPr>
+              <a:t>(some_expression,</a:t>
+            </a:r>
+            <a:r>
+              <a:rPr sz="1800">
+                <a:solidFill>
+                  <a:srgbClr val="40A070"/>
+                </a:solidFill>
+                <a:latin typeface="Courier"/>
+              </a:rPr>
+              <a:t>3</a:t>
+            </a:r>
+            <a:r>
+              <a:rPr sz="1800">
+                <a:latin typeface="Courier"/>
+              </a:rPr>
+              <a:t>)</a:t>
+            </a:r>
+          </a:p>
+          <a:p>
+            <a:pPr lvl="0" marL="1270000" indent="0">
+              <a:buNone/>
+            </a:pPr>
+            <a:r>
+              <a:rPr sz="1800">
+                <a:latin typeface="Courier"/>
+              </a:rPr>
+              <a:t>##               sample1   sample2
+## GeneID:1    0.4123009  1.330277
+## GeneID:10  -3.0091629 -4.118183
+## GeneID:100  7.7458439  7.208059</a:t>
+            </a:r>
+          </a:p>
+          <a:p>
+            <a:pPr lvl="0" marL="1270000" indent="0">
+              <a:buNone/>
+            </a:pPr>
+            <a:r>
+              <a:rPr sz="1800">
+                <a:latin typeface="Courier"/>
+              </a:rPr>
+              <a:t>original_rownames =</a:t>
+            </a:r>
+            <a:r>
+              <a:rPr sz="1800">
+                <a:solidFill>
+                  <a:srgbClr val="4070A0"/>
+                </a:solidFill>
+                <a:latin typeface="Courier"/>
+              </a:rPr>
+              <a:t> </a:t>
+            </a:r>
+            <a:r>
+              <a:rPr sz="1800" b="1">
+                <a:solidFill>
+                  <a:srgbClr val="007020"/>
+                </a:solidFill>
+                <a:latin typeface="Courier"/>
+              </a:rPr>
+              <a:t>rownames</a:t>
+            </a:r>
+            <a:r>
+              <a:rPr sz="1800">
+                <a:latin typeface="Courier"/>
+              </a:rPr>
+              <a:t>(some_expression)</a:t>
+            </a:r>
+            <a:br/>
+            <a:r>
+              <a:rPr sz="1800">
+                <a:latin typeface="Courier"/>
+              </a:rPr>
+              <a:t>new_rownames =</a:t>
+            </a:r>
+            <a:r>
+              <a:rPr sz="1800">
+                <a:solidFill>
+                  <a:srgbClr val="4070A0"/>
+                </a:solidFill>
+                <a:latin typeface="Courier"/>
+              </a:rPr>
+              <a:t> </a:t>
+            </a:r>
+            <a:r>
+              <a:rPr sz="1800" b="1">
+                <a:solidFill>
+                  <a:srgbClr val="007020"/>
+                </a:solidFill>
+                <a:latin typeface="Courier"/>
+              </a:rPr>
+              <a:t>gsub</a:t>
             </a:r>
             <a:r>
               <a:rPr sz="1800">
@@ -14611,19 +14741,50 @@
               <a:t>(</a:t>
             </a:r>
             <a:r>
+              <a:rPr sz="1800">
+                <a:solidFill>
+                  <a:srgbClr val="4070A0"/>
+                </a:solidFill>
+                <a:latin typeface="Courier"/>
+              </a:rPr>
+              <a:t>"GeneID:"</a:t>
+            </a:r>
+            <a:r>
+              <a:rPr sz="1800">
+                <a:latin typeface="Courier"/>
+              </a:rPr>
+              <a:t>,</a:t>
+            </a:r>
+            <a:r>
+              <a:rPr sz="1800">
+                <a:solidFill>
+                  <a:srgbClr val="4070A0"/>
+                </a:solidFill>
+                <a:latin typeface="Courier"/>
+              </a:rPr>
+              <a:t>""</a:t>
+            </a:r>
+            <a:r>
+              <a:rPr sz="1800">
+                <a:latin typeface="Courier"/>
+              </a:rPr>
+              <a:t>,original_rownames)</a:t>
+            </a:r>
+            <a:br/>
+            <a:r>
               <a:rPr sz="1800" b="1">
                 <a:solidFill>
                   <a:srgbClr val="007020"/>
                 </a:solidFill>
                 <a:latin typeface="Courier"/>
               </a:rPr>
-              <a:t>grepl</a:t>
-            </a:r>
-            <a:r>
-              <a:rPr sz="1800">
-                <a:latin typeface="Courier"/>
-              </a:rPr>
-              <a:t>(</a:t>
+              <a:t>rownames</a:t>
+            </a:r>
+            <a:r>
+              <a:rPr sz="1800">
+                <a:latin typeface="Courier"/>
+              </a:rPr>
+              <a:t>(some_expression) =</a:t>
             </a:r>
             <a:r>
               <a:rPr sz="1800">
@@ -14632,28 +14793,44 @@
                 </a:solidFill>
                 <a:latin typeface="Courier"/>
               </a:rPr>
-              <a:t>"AA"</a:t>
-            </a:r>
-            <a:r>
-              <a:rPr sz="1800">
-                <a:latin typeface="Courier"/>
-              </a:rPr>
-              <a:t>,genotype_df</a:t>
-            </a:r>
-            <a:r>
-              <a:rPr sz="1800">
-                <a:solidFill>
-                  <a:srgbClr val="666666"/>
-                </a:solidFill>
-                <a:latin typeface="Courier"/>
-              </a:rPr>
-              <a:t>$</a:t>
-            </a:r>
-            <a:r>
-              <a:rPr sz="1800">
-                <a:latin typeface="Courier"/>
-              </a:rPr>
-              <a:t>genotype))</a:t>
+              <a:t> </a:t>
+            </a:r>
+            <a:r>
+              <a:rPr sz="1800">
+                <a:latin typeface="Courier"/>
+              </a:rPr>
+              <a:t>new_rownames</a:t>
+            </a:r>
+            <a:br/>
+            <a:r>
+              <a:rPr sz="1800" b="1">
+                <a:solidFill>
+                  <a:srgbClr val="007020"/>
+                </a:solidFill>
+                <a:latin typeface="Courier"/>
+              </a:rPr>
+              <a:t>head</a:t>
+            </a:r>
+            <a:r>
+              <a:rPr sz="1800">
+                <a:latin typeface="Courier"/>
+              </a:rPr>
+              <a:t>(some_expression,</a:t>
+            </a:r>
+            <a:r>
+              <a:rPr sz="1800">
+                <a:solidFill>
+                  <a:srgbClr val="40A070"/>
+                </a:solidFill>
+                <a:latin typeface="Courier"/>
+              </a:rPr>
+              <a:t>3</a:t>
+            </a:r>
+            <a:r>
+              <a:rPr sz="1800">
+                <a:latin typeface="Courier"/>
+              </a:rPr>
+              <a:t>)</a:t>
             </a:r>
           </a:p>
           <a:p>
@@ -14664,97 +14841,10 @@
               <a:rPr sz="1800">
                 <a:latin typeface="Courier"/>
               </a:rPr>
-              <a:t>## 
-##  FALSE   TRUE 
-## 816361 146685</a:t>
-            </a:r>
-          </a:p>
-          <a:p>
-            <a:pPr lvl="0" marL="1270000" indent="0">
-              <a:buNone/>
-            </a:pPr>
-            <a:r>
-              <a:rPr sz="1800" i="1">
-                <a:solidFill>
-                  <a:srgbClr val="60A0B0"/>
-                </a:solidFill>
-                <a:latin typeface="Courier"/>
-              </a:rPr>
-              <a:t># How many are homozygous of any of the four nucleotides?</a:t>
-            </a:r>
-            <a:br/>
-            <a:r>
-              <a:rPr sz="1800" b="1">
-                <a:solidFill>
-                  <a:srgbClr val="007020"/>
-                </a:solidFill>
-                <a:latin typeface="Courier"/>
-              </a:rPr>
-              <a:t>table</a:t>
-            </a:r>
-            <a:r>
-              <a:rPr sz="1800">
-                <a:latin typeface="Courier"/>
-              </a:rPr>
-              <a:t>(</a:t>
-            </a:r>
-            <a:r>
-              <a:rPr sz="1800" b="1">
-                <a:solidFill>
-                  <a:srgbClr val="007020"/>
-                </a:solidFill>
-                <a:latin typeface="Courier"/>
-              </a:rPr>
-              <a:t>grepl</a:t>
-            </a:r>
-            <a:r>
-              <a:rPr sz="1800">
-                <a:latin typeface="Courier"/>
-              </a:rPr>
-              <a:t>(</a:t>
-            </a:r>
-            <a:r>
-              <a:rPr sz="1800">
-                <a:solidFill>
-                  <a:srgbClr val="4070A0"/>
-                </a:solidFill>
-                <a:latin typeface="Courier"/>
-              </a:rPr>
-              <a:t>"AA|GG|CC|TT"</a:t>
-            </a:r>
-            <a:r>
-              <a:rPr sz="1800">
-                <a:latin typeface="Courier"/>
-              </a:rPr>
-              <a:t>,genotype_df</a:t>
-            </a:r>
-            <a:r>
-              <a:rPr sz="1800">
-                <a:solidFill>
-                  <a:srgbClr val="666666"/>
-                </a:solidFill>
-                <a:latin typeface="Courier"/>
-              </a:rPr>
-              <a:t>$</a:t>
-            </a:r>
-            <a:r>
-              <a:rPr sz="1800">
-                <a:latin typeface="Courier"/>
-              </a:rPr>
-              <a:t>genotype))</a:t>
-            </a:r>
-          </a:p>
-          <a:p>
-            <a:pPr lvl="0" marL="1270000" indent="0">
-              <a:buNone/>
-            </a:pPr>
-            <a:r>
-              <a:rPr sz="1800">
-                <a:latin typeface="Courier"/>
-              </a:rPr>
-              <a:t>## 
-##  FALSE   TRUE 
-## 325896 637150</a:t>
+              <a:t>##        sample1   sample2
+## 1    0.4123009  1.330277
+## 10  -3.0091629 -4.118183
+## 100  7.7458439  7.208059</a:t>
             </a:r>
           </a:p>
         </p:txBody>
@@ -14801,39 +14891,15 @@
             </a:pPr>
             <a:r>
               <a:rPr/>
-              <a:t>Subsetting</a:t>
-            </a:r>
-            <a:r>
-              <a:rPr/>
-              <a:t> </a:t>
-            </a:r>
-            <a:r>
-              <a:rPr/>
-              <a:t>data</a:t>
-            </a:r>
-            <a:r>
-              <a:rPr/>
-              <a:t> </a:t>
-            </a:r>
-            <a:r>
-              <a:rPr/>
-              <a:t>frame</a:t>
-            </a:r>
-            <a:r>
-              <a:rPr/>
-              <a:t> </a:t>
-            </a:r>
-            <a:r>
-              <a:rPr/>
-              <a:t>with</a:t>
-            </a:r>
-            <a:r>
-              <a:rPr/>
-              <a:t> </a:t>
-            </a:r>
-            <a:r>
-              <a:rPr/>
-              <a:t>logicals</a:t>
+              <a:t>Grep</a:t>
+            </a:r>
+            <a:r>
+              <a:rPr/>
+              <a:t> </a:t>
+            </a:r>
+            <a:r>
+              <a:rPr/>
+              <a:t>example</a:t>
             </a:r>
           </a:p>
         </p:txBody>
@@ -14856,20 +14922,24 @@
             <a:pPr lvl="1"/>
             <a:r>
               <a:rPr/>
-              <a:t>Revisiting the previous example, we’ll calculate the % of homozygous genotypes on autosomes</a:t>
+              <a:t>What if we wanted to find all rows that had a genotype that was homozygous A (i.e. AA)?</a:t>
             </a:r>
           </a:p>
           <a:p>
             <a:pPr lvl="1"/>
             <a:r>
               <a:rPr/>
-              <a:t>To accomplish this we need to ignore chromosomes MT, X and Y, negating grepl using </a:t>
-            </a:r>
-            <a:r>
-              <a:rPr sz="1800">
-                <a:latin typeface="Courier"/>
-              </a:rPr>
-              <a:t>!</a:t>
+              <a:t>The </a:t>
+            </a:r>
+            <a:r>
+              <a:rPr sz="1800">
+                <a:latin typeface="Courier"/>
+              </a:rPr>
+              <a:t>table</a:t>
+            </a:r>
+            <a:r>
+              <a:rPr/>
+              <a:t> function tabulates the unique values in the resulting vector</a:t>
             </a:r>
           </a:p>
           <a:p>
@@ -14883,7 +14953,7 @@
                 </a:solidFill>
                 <a:latin typeface="Courier"/>
               </a:rPr>
-              <a:t>tail</a:t>
+              <a:t>table</a:t>
             </a:r>
             <a:r>
               <a:rPr sz="1800">
@@ -14898,13 +14968,116 @@
                 </a:solidFill>
                 <a:latin typeface="Courier"/>
               </a:rPr>
+              <a:t>grepl</a:t>
+            </a:r>
+            <a:r>
+              <a:rPr sz="1800">
+                <a:latin typeface="Courier"/>
+              </a:rPr>
+              <a:t>(</a:t>
+            </a:r>
+            <a:r>
+              <a:rPr sz="1800">
+                <a:solidFill>
+                  <a:srgbClr val="4070A0"/>
+                </a:solidFill>
+                <a:latin typeface="Courier"/>
+              </a:rPr>
+              <a:t>"AA"</a:t>
+            </a:r>
+            <a:r>
+              <a:rPr sz="1800">
+                <a:latin typeface="Courier"/>
+              </a:rPr>
+              <a:t>,genotype_df</a:t>
+            </a:r>
+            <a:r>
+              <a:rPr sz="1800">
+                <a:solidFill>
+                  <a:srgbClr val="666666"/>
+                </a:solidFill>
+                <a:latin typeface="Courier"/>
+              </a:rPr>
+              <a:t>$</a:t>
+            </a:r>
+            <a:r>
+              <a:rPr sz="1800">
+                <a:latin typeface="Courier"/>
+              </a:rPr>
+              <a:t>genotype))</a:t>
+            </a:r>
+          </a:p>
+          <a:p>
+            <a:pPr lvl="0" marL="1270000" indent="0">
+              <a:buNone/>
+            </a:pPr>
+            <a:r>
+              <a:rPr sz="1800">
+                <a:latin typeface="Courier"/>
+              </a:rPr>
+              <a:t>## 
+##  FALSE   TRUE 
+## 816361 146685</a:t>
+            </a:r>
+          </a:p>
+          <a:p>
+            <a:pPr lvl="0" marL="1270000" indent="0">
+              <a:buNone/>
+            </a:pPr>
+            <a:r>
+              <a:rPr sz="1800" i="1">
+                <a:solidFill>
+                  <a:srgbClr val="60A0B0"/>
+                </a:solidFill>
+                <a:latin typeface="Courier"/>
+              </a:rPr>
+              <a:t># How many are homozygous of any of the four nucleotides?</a:t>
+            </a:r>
+            <a:br/>
+            <a:r>
+              <a:rPr sz="1800" b="1">
+                <a:solidFill>
+                  <a:srgbClr val="007020"/>
+                </a:solidFill>
+                <a:latin typeface="Courier"/>
+              </a:rPr>
               <a:t>table</a:t>
             </a:r>
             <a:r>
               <a:rPr sz="1800">
                 <a:latin typeface="Courier"/>
               </a:rPr>
-              <a:t>(genotype_df</a:t>
+              <a:t>(</a:t>
+            </a:r>
+            <a:r>
+              <a:rPr sz="1800" b="1">
+                <a:solidFill>
+                  <a:srgbClr val="007020"/>
+                </a:solidFill>
+                <a:latin typeface="Courier"/>
+              </a:rPr>
+              <a:t>grepl</a:t>
+            </a:r>
+            <a:r>
+              <a:rPr sz="1800">
+                <a:latin typeface="Courier"/>
+              </a:rPr>
+              <a:t>(</a:t>
+            </a:r>
+            <a:r>
+              <a:rPr sz="1800">
+                <a:solidFill>
+                  <a:srgbClr val="4070A0"/>
+                </a:solidFill>
+                <a:latin typeface="Courier"/>
+              </a:rPr>
+              <a:t>"AA|GG|CC|TT"</a:t>
+            </a:r>
+            <a:r>
+              <a:rPr sz="1800">
+                <a:latin typeface="Courier"/>
+              </a:rPr>
+              <a:t>,genotype_df</a:t>
             </a:r>
             <a:r>
               <a:rPr sz="1800">
@@ -14919,7 +15092,7 @@
               <a:rPr sz="1800">
                 <a:latin typeface="Courier"/>
               </a:rPr>
-              <a:t>chromosome))</a:t>
+              <a:t>genotype))</a:t>
             </a:r>
           </a:p>
           <a:p>
@@ -14931,118 +15104,8 @@
                 <a:latin typeface="Courier"/>
               </a:rPr>
               <a:t>## 
-##     7     8     9    MT     X     Y 
-## 51032 49234 42982  3930 26008  1906</a:t>
-            </a:r>
-          </a:p>
-          <a:p>
-            <a:pPr lvl="0" marL="1270000" indent="0">
-              <a:buNone/>
-            </a:pPr>
-            <a:r>
-              <a:rPr sz="1800">
-                <a:latin typeface="Courier"/>
-              </a:rPr>
-              <a:t>autosome_rows =</a:t>
-            </a:r>
-            <a:r>
-              <a:rPr sz="1800">
-                <a:solidFill>
-                  <a:srgbClr val="4070A0"/>
-                </a:solidFill>
-                <a:latin typeface="Courier"/>
-              </a:rPr>
-              <a:t> </a:t>
-            </a:r>
-            <a:r>
-              <a:rPr sz="1800">
-                <a:solidFill>
-                  <a:srgbClr val="666666"/>
-                </a:solidFill>
-                <a:latin typeface="Courier"/>
-              </a:rPr>
-              <a:t>!</a:t>
-            </a:r>
-            <a:r>
-              <a:rPr sz="1800">
-                <a:solidFill>
-                  <a:srgbClr val="4070A0"/>
-                </a:solidFill>
-                <a:latin typeface="Courier"/>
-              </a:rPr>
-              <a:t> </a:t>
-            </a:r>
-            <a:r>
-              <a:rPr sz="1800" b="1">
-                <a:solidFill>
-                  <a:srgbClr val="007020"/>
-                </a:solidFill>
-                <a:latin typeface="Courier"/>
-              </a:rPr>
-              <a:t>grepl</a:t>
-            </a:r>
-            <a:r>
-              <a:rPr sz="1800">
-                <a:latin typeface="Courier"/>
-              </a:rPr>
-              <a:t>(</a:t>
-            </a:r>
-            <a:r>
-              <a:rPr sz="1800">
-                <a:solidFill>
-                  <a:srgbClr val="4070A0"/>
-                </a:solidFill>
-                <a:latin typeface="Courier"/>
-              </a:rPr>
-              <a:t>"X|Y|MT"</a:t>
-            </a:r>
-            <a:r>
-              <a:rPr sz="1800">
-                <a:latin typeface="Courier"/>
-              </a:rPr>
-              <a:t>,genotype_df</a:t>
-            </a:r>
-            <a:r>
-              <a:rPr sz="1800">
-                <a:solidFill>
-                  <a:srgbClr val="666666"/>
-                </a:solidFill>
-                <a:latin typeface="Courier"/>
-              </a:rPr>
-              <a:t>$</a:t>
-            </a:r>
-            <a:r>
-              <a:rPr sz="1800">
-                <a:latin typeface="Courier"/>
-              </a:rPr>
-              <a:t>chromosome)</a:t>
-            </a:r>
-            <a:br/>
-            <a:r>
-              <a:rPr sz="1800" b="1">
-                <a:solidFill>
-                  <a:srgbClr val="007020"/>
-                </a:solidFill>
-                <a:latin typeface="Courier"/>
-              </a:rPr>
-              <a:t>head</a:t>
-            </a:r>
-            <a:r>
-              <a:rPr sz="1800">
-                <a:latin typeface="Courier"/>
-              </a:rPr>
-              <a:t>(autosome_rows)</a:t>
-            </a:r>
-          </a:p>
-          <a:p>
-            <a:pPr lvl="0" marL="1270000" indent="0">
-              <a:buNone/>
-            </a:pPr>
-            <a:r>
-              <a:rPr sz="1800">
-                <a:latin typeface="Courier"/>
-              </a:rPr>
-              <a:t>## [1] TRUE TRUE TRUE TRUE TRUE TRUE</a:t>
+##  FALSE   TRUE 
+## 325896 637150</a:t>
             </a:r>
           </a:p>
         </p:txBody>
@@ -15089,31 +15152,39 @@
             </a:pPr>
             <a:r>
               <a:rPr/>
-              <a:t>Final</a:t>
-            </a:r>
-            <a:r>
-              <a:rPr/>
-              <a:t> </a:t>
-            </a:r>
-            <a:r>
-              <a:rPr/>
-              <a:t>steps:</a:t>
-            </a:r>
-            <a:r>
-              <a:rPr/>
-              <a:t> </a:t>
-            </a:r>
-            <a:r>
-              <a:rPr/>
-              <a:t>%</a:t>
-            </a:r>
-            <a:r>
-              <a:rPr/>
-              <a:t> </a:t>
-            </a:r>
-            <a:r>
-              <a:rPr/>
-              <a:t>homozygous</a:t>
+              <a:t>Subsetting</a:t>
+            </a:r>
+            <a:r>
+              <a:rPr/>
+              <a:t> </a:t>
+            </a:r>
+            <a:r>
+              <a:rPr/>
+              <a:t>data</a:t>
+            </a:r>
+            <a:r>
+              <a:rPr/>
+              <a:t> </a:t>
+            </a:r>
+            <a:r>
+              <a:rPr/>
+              <a:t>frame</a:t>
+            </a:r>
+            <a:r>
+              <a:rPr/>
+              <a:t> </a:t>
+            </a:r>
+            <a:r>
+              <a:rPr/>
+              <a:t>with</a:t>
+            </a:r>
+            <a:r>
+              <a:rPr/>
+              <a:t> </a:t>
+            </a:r>
+            <a:r>
+              <a:rPr/>
+              <a:t>logicals</a:t>
             </a:r>
           </a:p>
         </p:txBody>
@@ -15133,6 +15204,26 @@
           <a:bodyPr/>
           <a:lstStyle/>
           <a:p>
+            <a:pPr lvl="1"/>
+            <a:r>
+              <a:rPr/>
+              <a:t>Revisiting the previous example, we’ll calculate the % of homozygous genotypes on autosomes</a:t>
+            </a:r>
+          </a:p>
+          <a:p>
+            <a:pPr lvl="1"/>
+            <a:r>
+              <a:rPr/>
+              <a:t>To accomplish this we need to ignore chromosomes MT, X and Y, negating grepl using </a:t>
+            </a:r>
+            <a:r>
+              <a:rPr sz="1800">
+                <a:latin typeface="Courier"/>
+              </a:rPr>
+              <a:t>!</a:t>
+            </a:r>
+          </a:p>
+          <a:p>
             <a:pPr lvl="0" marL="1270000" indent="0">
               <a:buNone/>
             </a:pPr>
@@ -15143,12 +15234,154 @@
                 </a:solidFill>
                 <a:latin typeface="Courier"/>
               </a:rPr>
+              <a:t>tail</a:t>
+            </a:r>
+            <a:r>
+              <a:rPr sz="1800">
+                <a:latin typeface="Courier"/>
+              </a:rPr>
+              <a:t>(</a:t>
+            </a:r>
+            <a:r>
+              <a:rPr sz="1800" b="1">
+                <a:solidFill>
+                  <a:srgbClr val="007020"/>
+                </a:solidFill>
+                <a:latin typeface="Courier"/>
+              </a:rPr>
               <a:t>table</a:t>
             </a:r>
             <a:r>
               <a:rPr sz="1800">
                 <a:latin typeface="Courier"/>
               </a:rPr>
+              <a:t>(genotype_df</a:t>
+            </a:r>
+            <a:r>
+              <a:rPr sz="1800">
+                <a:solidFill>
+                  <a:srgbClr val="666666"/>
+                </a:solidFill>
+                <a:latin typeface="Courier"/>
+              </a:rPr>
+              <a:t>$</a:t>
+            </a:r>
+            <a:r>
+              <a:rPr sz="1800">
+                <a:latin typeface="Courier"/>
+              </a:rPr>
+              <a:t>chromosome))</a:t>
+            </a:r>
+          </a:p>
+          <a:p>
+            <a:pPr lvl="0" marL="1270000" indent="0">
+              <a:buNone/>
+            </a:pPr>
+            <a:r>
+              <a:rPr sz="1800">
+                <a:latin typeface="Courier"/>
+              </a:rPr>
+              <a:t>## 
+##     7     8     9    MT     X     Y 
+## 51032 49234 42982  3930 26008  1906</a:t>
+            </a:r>
+          </a:p>
+          <a:p>
+            <a:pPr lvl="0" marL="1270000" indent="0">
+              <a:buNone/>
+            </a:pPr>
+            <a:r>
+              <a:rPr sz="1800">
+                <a:latin typeface="Courier"/>
+              </a:rPr>
+              <a:t>autosome_rows =</a:t>
+            </a:r>
+            <a:r>
+              <a:rPr sz="1800">
+                <a:solidFill>
+                  <a:srgbClr val="4070A0"/>
+                </a:solidFill>
+                <a:latin typeface="Courier"/>
+              </a:rPr>
+              <a:t> </a:t>
+            </a:r>
+            <a:r>
+              <a:rPr sz="1800">
+                <a:solidFill>
+                  <a:srgbClr val="666666"/>
+                </a:solidFill>
+                <a:latin typeface="Courier"/>
+              </a:rPr>
+              <a:t>!</a:t>
+            </a:r>
+            <a:r>
+              <a:rPr sz="1800">
+                <a:solidFill>
+                  <a:srgbClr val="4070A0"/>
+                </a:solidFill>
+                <a:latin typeface="Courier"/>
+              </a:rPr>
+              <a:t> </a:t>
+            </a:r>
+            <a:r>
+              <a:rPr sz="1800" b="1">
+                <a:solidFill>
+                  <a:srgbClr val="007020"/>
+                </a:solidFill>
+                <a:latin typeface="Courier"/>
+              </a:rPr>
+              <a:t>grepl</a:t>
+            </a:r>
+            <a:r>
+              <a:rPr sz="1800">
+                <a:latin typeface="Courier"/>
+              </a:rPr>
+              <a:t>(</a:t>
+            </a:r>
+            <a:r>
+              <a:rPr sz="1800">
+                <a:solidFill>
+                  <a:srgbClr val="4070A0"/>
+                </a:solidFill>
+                <a:latin typeface="Courier"/>
+              </a:rPr>
+              <a:t>"X|Y|MT"</a:t>
+            </a:r>
+            <a:r>
+              <a:rPr sz="1800">
+                <a:latin typeface="Courier"/>
+              </a:rPr>
+              <a:t>,genotype_df</a:t>
+            </a:r>
+            <a:r>
+              <a:rPr sz="1800">
+                <a:solidFill>
+                  <a:srgbClr val="666666"/>
+                </a:solidFill>
+                <a:latin typeface="Courier"/>
+              </a:rPr>
+              <a:t>$</a:t>
+            </a:r>
+            <a:r>
+              <a:rPr sz="1800">
+                <a:latin typeface="Courier"/>
+              </a:rPr>
+              <a:t>chromosome)</a:t>
+            </a:r>
+            <a:br/>
+            <a:r>
+              <a:rPr sz="1800" b="1">
+                <a:solidFill>
+                  <a:srgbClr val="007020"/>
+                </a:solidFill>
+                <a:latin typeface="Courier"/>
+              </a:rPr>
+              <a:t>head</a:t>
+            </a:r>
+            <a:r>
+              <a:rPr sz="1800">
+                <a:latin typeface="Courier"/>
+              </a:rPr>
               <a:t>(autosome_rows)</a:t>
             </a:r>
           </a:p>
@@ -15160,246 +15393,7 @@
               <a:rPr sz="1800">
                 <a:latin typeface="Courier"/>
               </a:rPr>
-              <a:t>## autosome_rows
-##  FALSE   TRUE 
-##  31844 931202</a:t>
-            </a:r>
-          </a:p>
-          <a:p>
-            <a:pPr lvl="0" marL="1270000" indent="0">
-              <a:buNone/>
-            </a:pPr>
-            <a:r>
-              <a:rPr sz="1800">
-                <a:latin typeface="Courier"/>
-              </a:rPr>
-              <a:t>autosome_genotypes =</a:t>
-            </a:r>
-            <a:r>
-              <a:rPr sz="1800">
-                <a:solidFill>
-                  <a:srgbClr val="4070A0"/>
-                </a:solidFill>
-                <a:latin typeface="Courier"/>
-              </a:rPr>
-              <a:t> </a:t>
-            </a:r>
-            <a:r>
-              <a:rPr sz="1800">
-                <a:latin typeface="Courier"/>
-              </a:rPr>
-              <a:t>genotype_df[autosome_rows,]</a:t>
-            </a:r>
-            <a:br/>
-            <a:br/>
-            <a:r>
-              <a:rPr sz="1800">
-                <a:latin typeface="Courier"/>
-              </a:rPr>
-              <a:t>homozygous_total =</a:t>
-            </a:r>
-            <a:r>
-              <a:rPr sz="1800">
-                <a:solidFill>
-                  <a:srgbClr val="4070A0"/>
-                </a:solidFill>
-                <a:latin typeface="Courier"/>
-              </a:rPr>
-              <a:t> </a:t>
-            </a:r>
-            <a:r>
-              <a:rPr sz="1800" b="1">
-                <a:solidFill>
-                  <a:srgbClr val="007020"/>
-                </a:solidFill>
-                <a:latin typeface="Courier"/>
-              </a:rPr>
-              <a:t>sum</a:t>
-            </a:r>
-            <a:r>
-              <a:rPr sz="1800">
-                <a:latin typeface="Courier"/>
-              </a:rPr>
-              <a:t>(</a:t>
-            </a:r>
-            <a:r>
-              <a:rPr sz="1800" b="1">
-                <a:solidFill>
-                  <a:srgbClr val="007020"/>
-                </a:solidFill>
-                <a:latin typeface="Courier"/>
-              </a:rPr>
-              <a:t>grepl</a:t>
-            </a:r>
-            <a:r>
-              <a:rPr sz="1800">
-                <a:latin typeface="Courier"/>
-              </a:rPr>
-              <a:t>(</a:t>
-            </a:r>
-            <a:r>
-              <a:rPr sz="1800">
-                <a:solidFill>
-                  <a:srgbClr val="4070A0"/>
-                </a:solidFill>
-                <a:latin typeface="Courier"/>
-              </a:rPr>
-              <a:t>"AA|GG|CC|TT"</a:t>
-            </a:r>
-            <a:r>
-              <a:rPr sz="1800">
-                <a:latin typeface="Courier"/>
-              </a:rPr>
-              <a:t>,autosome_genotypes</a:t>
-            </a:r>
-            <a:r>
-              <a:rPr sz="1800">
-                <a:solidFill>
-                  <a:srgbClr val="666666"/>
-                </a:solidFill>
-                <a:latin typeface="Courier"/>
-              </a:rPr>
-              <a:t>$</a:t>
-            </a:r>
-            <a:r>
-              <a:rPr sz="1800">
-                <a:latin typeface="Courier"/>
-              </a:rPr>
-              <a:t>genotype))</a:t>
-            </a:r>
-            <a:br/>
-            <a:r>
-              <a:rPr sz="1800">
-                <a:latin typeface="Courier"/>
-              </a:rPr>
-              <a:t>all =</a:t>
-            </a:r>
-            <a:r>
-              <a:rPr sz="1800">
-                <a:solidFill>
-                  <a:srgbClr val="4070A0"/>
-                </a:solidFill>
-                <a:latin typeface="Courier"/>
-              </a:rPr>
-              <a:t> </a:t>
-            </a:r>
-            <a:r>
-              <a:rPr sz="1800" b="1">
-                <a:solidFill>
-                  <a:srgbClr val="007020"/>
-                </a:solidFill>
-                <a:latin typeface="Courier"/>
-              </a:rPr>
-              <a:t>length</a:t>
-            </a:r>
-            <a:r>
-              <a:rPr sz="1800">
-                <a:latin typeface="Courier"/>
-              </a:rPr>
-              <a:t>(autosome_genotypes</a:t>
-            </a:r>
-            <a:r>
-              <a:rPr sz="1800">
-                <a:solidFill>
-                  <a:srgbClr val="666666"/>
-                </a:solidFill>
-                <a:latin typeface="Courier"/>
-              </a:rPr>
-              <a:t>$</a:t>
-            </a:r>
-            <a:r>
-              <a:rPr sz="1800">
-                <a:latin typeface="Courier"/>
-              </a:rPr>
-              <a:t>genotype)</a:t>
-            </a:r>
-            <a:br/>
-            <a:r>
-              <a:rPr sz="1800">
-                <a:latin typeface="Courier"/>
-              </a:rPr>
-              <a:t>percent_homo =</a:t>
-            </a:r>
-            <a:r>
-              <a:rPr sz="1800">
-                <a:solidFill>
-                  <a:srgbClr val="4070A0"/>
-                </a:solidFill>
-                <a:latin typeface="Courier"/>
-              </a:rPr>
-              <a:t> </a:t>
-            </a:r>
-            <a:r>
-              <a:rPr sz="1800">
-                <a:solidFill>
-                  <a:srgbClr val="40A070"/>
-                </a:solidFill>
-                <a:latin typeface="Courier"/>
-              </a:rPr>
-              <a:t>100</a:t>
-            </a:r>
-            <a:r>
-              <a:rPr sz="1800">
-                <a:latin typeface="Courier"/>
-              </a:rPr>
-              <a:t> </a:t>
-            </a:r>
-            <a:r>
-              <a:rPr sz="1800">
-                <a:solidFill>
-                  <a:srgbClr val="666666"/>
-                </a:solidFill>
-                <a:latin typeface="Courier"/>
-              </a:rPr>
-              <a:t>*</a:t>
-            </a:r>
-            <a:r>
-              <a:rPr sz="1800">
-                <a:solidFill>
-                  <a:srgbClr val="4070A0"/>
-                </a:solidFill>
-                <a:latin typeface="Courier"/>
-              </a:rPr>
-              <a:t> </a:t>
-            </a:r>
-            <a:r>
-              <a:rPr sz="1800">
-                <a:latin typeface="Courier"/>
-              </a:rPr>
-              <a:t>homozygous_total</a:t>
-            </a:r>
-            <a:r>
-              <a:rPr sz="1800">
-                <a:solidFill>
-                  <a:srgbClr val="666666"/>
-                </a:solidFill>
-                <a:latin typeface="Courier"/>
-              </a:rPr>
-              <a:t>/</a:t>
-            </a:r>
-            <a:r>
-              <a:rPr sz="1800">
-                <a:latin typeface="Courier"/>
-              </a:rPr>
-              <a:t>all</a:t>
-            </a:r>
-            <a:br/>
-            <a:r>
-              <a:rPr sz="1800">
-                <a:latin typeface="Courier"/>
-              </a:rPr>
-              <a:t>percent_homo</a:t>
-            </a:r>
-          </a:p>
-          <a:p>
-            <a:pPr lvl="0" marL="1270000" indent="0">
-              <a:buNone/>
-            </a:pPr>
-            <a:r>
-              <a:rPr sz="1800">
-                <a:latin typeface="Courier"/>
-              </a:rPr>
-              <a:t>## [1] 68.38731</a:t>
+              <a:t>## [1] TRUE TRUE TRUE TRUE TRUE TRUE</a:t>
             </a:r>
           </a:p>
         </p:txBody>
@@ -15410,6 +15404,363 @@
 </file>
 
 <file path=ppt/slides/slide53.xml><?xml version="1.0" encoding="utf-8"?>
+<p:sld xmlns:a="http://schemas.openxmlformats.org/drawingml/2006/main" xmlns:r="http://schemas.openxmlformats.org/officeDocument/2006/relationships" xmlns:p="http://schemas.openxmlformats.org/presentationml/2006/main">
+  <p:cSld>
+    <p:spTree>
+      <p:nvGrpSpPr>
+        <p:cNvPr id="1" name=""/>
+        <p:cNvGrpSpPr/>
+        <p:nvPr/>
+      </p:nvGrpSpPr>
+      <p:grpSpPr>
+        <a:xfrm>
+          <a:off x="0" y="0"/>
+          <a:ext cx="0" cy="0"/>
+          <a:chOff x="0" y="0"/>
+          <a:chExt cx="0" cy="0"/>
+        </a:xfrm>
+      </p:grpSpPr>
+      <p:sp>
+        <p:nvSpPr>
+          <p:cNvPr id="2" name="Title 1"/>
+          <p:cNvSpPr>
+            <a:spLocks noGrp="1"/>
+          </p:cNvSpPr>
+          <p:nvPr>
+            <p:ph type="title"/>
+          </p:nvPr>
+        </p:nvSpPr>
+        <p:spPr/>
+        <p:txBody>
+          <a:bodyPr/>
+          <a:lstStyle/>
+          <a:p>
+            <a:pPr lvl="0" marL="0" indent="0">
+              <a:buNone/>
+            </a:pPr>
+            <a:r>
+              <a:rPr/>
+              <a:t>Final</a:t>
+            </a:r>
+            <a:r>
+              <a:rPr/>
+              <a:t> </a:t>
+            </a:r>
+            <a:r>
+              <a:rPr/>
+              <a:t>steps:</a:t>
+            </a:r>
+            <a:r>
+              <a:rPr/>
+              <a:t> </a:t>
+            </a:r>
+            <a:r>
+              <a:rPr/>
+              <a:t>%</a:t>
+            </a:r>
+            <a:r>
+              <a:rPr/>
+              <a:t> </a:t>
+            </a:r>
+            <a:r>
+              <a:rPr/>
+              <a:t>homozygous</a:t>
+            </a:r>
+          </a:p>
+        </p:txBody>
+      </p:sp>
+      <p:sp>
+        <p:nvSpPr>
+          <p:cNvPr id="3" name="Content Placeholder 2"/>
+          <p:cNvSpPr>
+            <a:spLocks noGrp="1"/>
+          </p:cNvSpPr>
+          <p:nvPr>
+            <p:ph idx="1"/>
+          </p:nvPr>
+        </p:nvSpPr>
+        <p:spPr/>
+        <p:txBody>
+          <a:bodyPr/>
+          <a:lstStyle/>
+          <a:p>
+            <a:pPr lvl="0" marL="1270000" indent="0">
+              <a:buNone/>
+            </a:pPr>
+            <a:r>
+              <a:rPr sz="1800" b="1">
+                <a:solidFill>
+                  <a:srgbClr val="007020"/>
+                </a:solidFill>
+                <a:latin typeface="Courier"/>
+              </a:rPr>
+              <a:t>table</a:t>
+            </a:r>
+            <a:r>
+              <a:rPr sz="1800">
+                <a:latin typeface="Courier"/>
+              </a:rPr>
+              <a:t>(autosome_rows)</a:t>
+            </a:r>
+          </a:p>
+          <a:p>
+            <a:pPr lvl="0" marL="1270000" indent="0">
+              <a:buNone/>
+            </a:pPr>
+            <a:r>
+              <a:rPr sz="1800">
+                <a:latin typeface="Courier"/>
+              </a:rPr>
+              <a:t>## autosome_rows
+##  FALSE   TRUE 
+##  31844 931202</a:t>
+            </a:r>
+          </a:p>
+          <a:p>
+            <a:pPr lvl="0" marL="1270000" indent="0">
+              <a:buNone/>
+            </a:pPr>
+            <a:r>
+              <a:rPr sz="1800">
+                <a:latin typeface="Courier"/>
+              </a:rPr>
+              <a:t>autosome_genotypes =</a:t>
+            </a:r>
+            <a:r>
+              <a:rPr sz="1800">
+                <a:solidFill>
+                  <a:srgbClr val="4070A0"/>
+                </a:solidFill>
+                <a:latin typeface="Courier"/>
+              </a:rPr>
+              <a:t> </a:t>
+            </a:r>
+            <a:r>
+              <a:rPr sz="1800">
+                <a:latin typeface="Courier"/>
+              </a:rPr>
+              <a:t>genotype_df[autosome_rows,]</a:t>
+            </a:r>
+            <a:br/>
+            <a:br/>
+            <a:r>
+              <a:rPr sz="1800">
+                <a:latin typeface="Courier"/>
+              </a:rPr>
+              <a:t>homozygous_total =</a:t>
+            </a:r>
+            <a:r>
+              <a:rPr sz="1800">
+                <a:solidFill>
+                  <a:srgbClr val="4070A0"/>
+                </a:solidFill>
+                <a:latin typeface="Courier"/>
+              </a:rPr>
+              <a:t> </a:t>
+            </a:r>
+            <a:r>
+              <a:rPr sz="1800" b="1">
+                <a:solidFill>
+                  <a:srgbClr val="007020"/>
+                </a:solidFill>
+                <a:latin typeface="Courier"/>
+              </a:rPr>
+              <a:t>sum</a:t>
+            </a:r>
+            <a:r>
+              <a:rPr sz="1800">
+                <a:latin typeface="Courier"/>
+              </a:rPr>
+              <a:t>(</a:t>
+            </a:r>
+            <a:r>
+              <a:rPr sz="1800" b="1">
+                <a:solidFill>
+                  <a:srgbClr val="007020"/>
+                </a:solidFill>
+                <a:latin typeface="Courier"/>
+              </a:rPr>
+              <a:t>grepl</a:t>
+            </a:r>
+            <a:r>
+              <a:rPr sz="1800">
+                <a:latin typeface="Courier"/>
+              </a:rPr>
+              <a:t>(</a:t>
+            </a:r>
+            <a:r>
+              <a:rPr sz="1800">
+                <a:solidFill>
+                  <a:srgbClr val="4070A0"/>
+                </a:solidFill>
+                <a:latin typeface="Courier"/>
+              </a:rPr>
+              <a:t>"AA|GG|CC|TT"</a:t>
+            </a:r>
+            <a:r>
+              <a:rPr sz="1800">
+                <a:latin typeface="Courier"/>
+              </a:rPr>
+              <a:t>,autosome_genotypes</a:t>
+            </a:r>
+            <a:r>
+              <a:rPr sz="1800">
+                <a:solidFill>
+                  <a:srgbClr val="666666"/>
+                </a:solidFill>
+                <a:latin typeface="Courier"/>
+              </a:rPr>
+              <a:t>$</a:t>
+            </a:r>
+            <a:r>
+              <a:rPr sz="1800">
+                <a:latin typeface="Courier"/>
+              </a:rPr>
+              <a:t>genotype))</a:t>
+            </a:r>
+            <a:br/>
+            <a:r>
+              <a:rPr sz="1800">
+                <a:latin typeface="Courier"/>
+              </a:rPr>
+              <a:t>all =</a:t>
+            </a:r>
+            <a:r>
+              <a:rPr sz="1800">
+                <a:solidFill>
+                  <a:srgbClr val="4070A0"/>
+                </a:solidFill>
+                <a:latin typeface="Courier"/>
+              </a:rPr>
+              <a:t> </a:t>
+            </a:r>
+            <a:r>
+              <a:rPr sz="1800" b="1">
+                <a:solidFill>
+                  <a:srgbClr val="007020"/>
+                </a:solidFill>
+                <a:latin typeface="Courier"/>
+              </a:rPr>
+              <a:t>length</a:t>
+            </a:r>
+            <a:r>
+              <a:rPr sz="1800">
+                <a:latin typeface="Courier"/>
+              </a:rPr>
+              <a:t>(autosome_genotypes</a:t>
+            </a:r>
+            <a:r>
+              <a:rPr sz="1800">
+                <a:solidFill>
+                  <a:srgbClr val="666666"/>
+                </a:solidFill>
+                <a:latin typeface="Courier"/>
+              </a:rPr>
+              <a:t>$</a:t>
+            </a:r>
+            <a:r>
+              <a:rPr sz="1800">
+                <a:latin typeface="Courier"/>
+              </a:rPr>
+              <a:t>genotype)</a:t>
+            </a:r>
+            <a:br/>
+            <a:r>
+              <a:rPr sz="1800">
+                <a:latin typeface="Courier"/>
+              </a:rPr>
+              <a:t>percent_homo =</a:t>
+            </a:r>
+            <a:r>
+              <a:rPr sz="1800">
+                <a:solidFill>
+                  <a:srgbClr val="4070A0"/>
+                </a:solidFill>
+                <a:latin typeface="Courier"/>
+              </a:rPr>
+              <a:t> </a:t>
+            </a:r>
+            <a:r>
+              <a:rPr sz="1800">
+                <a:solidFill>
+                  <a:srgbClr val="40A070"/>
+                </a:solidFill>
+                <a:latin typeface="Courier"/>
+              </a:rPr>
+              <a:t>100</a:t>
+            </a:r>
+            <a:r>
+              <a:rPr sz="1800">
+                <a:latin typeface="Courier"/>
+              </a:rPr>
+              <a:t> </a:t>
+            </a:r>
+            <a:r>
+              <a:rPr sz="1800">
+                <a:solidFill>
+                  <a:srgbClr val="666666"/>
+                </a:solidFill>
+                <a:latin typeface="Courier"/>
+              </a:rPr>
+              <a:t>*</a:t>
+            </a:r>
+            <a:r>
+              <a:rPr sz="1800">
+                <a:solidFill>
+                  <a:srgbClr val="4070A0"/>
+                </a:solidFill>
+                <a:latin typeface="Courier"/>
+              </a:rPr>
+              <a:t> </a:t>
+            </a:r>
+            <a:r>
+              <a:rPr sz="1800">
+                <a:latin typeface="Courier"/>
+              </a:rPr>
+              <a:t>homozygous_total</a:t>
+            </a:r>
+            <a:r>
+              <a:rPr sz="1800">
+                <a:solidFill>
+                  <a:srgbClr val="666666"/>
+                </a:solidFill>
+                <a:latin typeface="Courier"/>
+              </a:rPr>
+              <a:t>/</a:t>
+            </a:r>
+            <a:r>
+              <a:rPr sz="1800">
+                <a:latin typeface="Courier"/>
+              </a:rPr>
+              <a:t>all</a:t>
+            </a:r>
+            <a:br/>
+            <a:r>
+              <a:rPr sz="1800">
+                <a:latin typeface="Courier"/>
+              </a:rPr>
+              <a:t>percent_homo</a:t>
+            </a:r>
+          </a:p>
+          <a:p>
+            <a:pPr lvl="0" marL="1270000" indent="0">
+              <a:buNone/>
+            </a:pPr>
+            <a:r>
+              <a:rPr sz="1800">
+                <a:latin typeface="Courier"/>
+              </a:rPr>
+              <a:t>## [1] 68.38731</a:t>
+            </a:r>
+          </a:p>
+        </p:txBody>
+      </p:sp>
+    </p:spTree>
+  </p:cSld>
+</p:sld>
+</file>
+
+<file path=ppt/slides/slide54.xml><?xml version="1.0" encoding="utf-8"?>
 <p:sld xmlns:a="http://schemas.openxmlformats.org/drawingml/2006/main" xmlns:r="http://schemas.openxmlformats.org/officeDocument/2006/relationships" xmlns:p="http://schemas.openxmlformats.org/presentationml/2006/main">
   <p:cSld>
     <p:spTree>

--- a/Lecture06.pptx
+++ b/Lecture06.pptx
@@ -11462,7 +11462,7 @@
             <a:pPr lvl="1"/>
             <a:r>
               <a:rPr/>
-              <a:t>Row names </a:t>
+              <a:t>Row names and column names </a:t>
             </a:r>
             <a:r>
               <a:rPr i="1"/>
